--- a/complex_template.pptx
+++ b/complex_template.pptx
@@ -6,7 +6,7 @@
   </p:sldMasterIdLst>
   <p:sldIdLst>
     <p:sldId id="256" r:id="rId2"/>
-    <p:sldId id="257" r:id="rId3"/>
+    <p:sldId id="262" r:id="rId3"/>
     <p:sldId id="258" r:id="rId4"/>
     <p:sldId id="259" r:id="rId5"/>
     <p:sldId id="260" r:id="rId6"/>
@@ -406,6 +406,615 @@
 </file>
 
 <file path=ppt/slideLayouts/slideLayout10.xml><?xml version="1.0" encoding="utf-8"?>
+<p:sldLayout xmlns:a="http://schemas.openxmlformats.org/drawingml/2006/main" xmlns:r="http://schemas.openxmlformats.org/officeDocument/2006/relationships" xmlns:p="http://schemas.openxmlformats.org/presentationml/2006/main" type="objTx" preserve="1">
+  <p:cSld name="Вміст і підпис">
+    <p:spTree>
+      <p:nvGrpSpPr>
+        <p:cNvPr id="1" name=""/>
+        <p:cNvGrpSpPr/>
+        <p:nvPr/>
+      </p:nvGrpSpPr>
+      <p:grpSpPr>
+        <a:xfrm>
+          <a:off x="0" y="0"/>
+          <a:ext cx="0" cy="0"/>
+          <a:chOff x="0" y="0"/>
+          <a:chExt cx="0" cy="0"/>
+        </a:xfrm>
+      </p:grpSpPr>
+      <p:sp>
+        <p:nvSpPr>
+          <p:cNvPr id="2" name="Title 1"/>
+          <p:cNvSpPr>
+            <a:spLocks noGrp="1"/>
+          </p:cNvSpPr>
+          <p:nvPr>
+            <p:ph type="title"/>
+          </p:nvPr>
+        </p:nvSpPr>
+        <p:spPr>
+          <a:xfrm>
+            <a:off x="841248" y="457200"/>
+            <a:ext cx="3200400" cy="1600197"/>
+          </a:xfrm>
+        </p:spPr>
+        <p:txBody>
+          <a:bodyPr anchor="b">
+            <a:normAutofit/>
+          </a:bodyPr>
+          <a:lstStyle>
+            <a:lvl1pPr>
+              <a:defRPr sz="3200" b="0" baseline="0"/>
+            </a:lvl1pPr>
+          </a:lstStyle>
+          <a:p>
+            <a:r>
+              <a:rPr lang="uk-UA"/>
+              <a:t>Клацніть, щоб редагувати стиль зразка заголовка</a:t>
+            </a:r>
+            <a:endParaRPr lang="en-US" dirty="0"/>
+          </a:p>
+        </p:txBody>
+      </p:sp>
+      <p:sp>
+        <p:nvSpPr>
+          <p:cNvPr id="3" name="Content Placeholder 2"/>
+          <p:cNvSpPr>
+            <a:spLocks noGrp="1"/>
+          </p:cNvSpPr>
+          <p:nvPr>
+            <p:ph idx="1"/>
+          </p:nvPr>
+        </p:nvSpPr>
+        <p:spPr>
+          <a:xfrm>
+            <a:off x="4504267" y="685800"/>
+            <a:ext cx="6079066" cy="5486400"/>
+          </a:xfrm>
+        </p:spPr>
+        <p:txBody>
+          <a:bodyPr/>
+          <a:lstStyle>
+            <a:lvl1pPr>
+              <a:defRPr sz="2000"/>
+            </a:lvl1pPr>
+            <a:lvl2pPr>
+              <a:defRPr sz="1800"/>
+            </a:lvl2pPr>
+            <a:lvl3pPr>
+              <a:defRPr sz="1600"/>
+            </a:lvl3pPr>
+            <a:lvl4pPr>
+              <a:defRPr sz="1400"/>
+            </a:lvl4pPr>
+            <a:lvl5pPr>
+              <a:defRPr sz="1400"/>
+            </a:lvl5pPr>
+            <a:lvl6pPr>
+              <a:defRPr sz="1400"/>
+            </a:lvl6pPr>
+            <a:lvl7pPr>
+              <a:defRPr sz="1400"/>
+            </a:lvl7pPr>
+            <a:lvl8pPr>
+              <a:defRPr sz="1400"/>
+            </a:lvl8pPr>
+            <a:lvl9pPr>
+              <a:defRPr sz="1400"/>
+            </a:lvl9pPr>
+          </a:lstStyle>
+          <a:p>
+            <a:pPr lvl="0"/>
+            <a:r>
+              <a:rPr lang="uk-UA"/>
+              <a:t>Клацніть, щоб відредагувати стилі зразків тексту</a:t>
+            </a:r>
+          </a:p>
+          <a:p>
+            <a:pPr lvl="1"/>
+            <a:r>
+              <a:rPr lang="uk-UA"/>
+              <a:t>Другий рівень</a:t>
+            </a:r>
+          </a:p>
+          <a:p>
+            <a:pPr lvl="2"/>
+            <a:r>
+              <a:rPr lang="uk-UA"/>
+              <a:t>Третій рівень</a:t>
+            </a:r>
+          </a:p>
+          <a:p>
+            <a:pPr lvl="3"/>
+            <a:r>
+              <a:rPr lang="uk-UA"/>
+              <a:t>Четвертий рівень</a:t>
+            </a:r>
+          </a:p>
+          <a:p>
+            <a:pPr lvl="4"/>
+            <a:r>
+              <a:rPr lang="uk-UA"/>
+              <a:t>П’ятий рівень</a:t>
+            </a:r>
+            <a:endParaRPr lang="en-US" dirty="0"/>
+          </a:p>
+        </p:txBody>
+      </p:sp>
+      <p:sp>
+        <p:nvSpPr>
+          <p:cNvPr id="4" name="Text Placeholder 3"/>
+          <p:cNvSpPr>
+            <a:spLocks noGrp="1"/>
+          </p:cNvSpPr>
+          <p:nvPr>
+            <p:ph type="body" sz="half" idx="2"/>
+          </p:nvPr>
+        </p:nvSpPr>
+        <p:spPr>
+          <a:xfrm>
+            <a:off x="841248" y="2099734"/>
+            <a:ext cx="3200400" cy="3810001"/>
+          </a:xfrm>
+        </p:spPr>
+        <p:txBody>
+          <a:bodyPr>
+            <a:normAutofit/>
+          </a:bodyPr>
+          <a:lstStyle>
+            <a:lvl1pPr marL="0" indent="0">
+              <a:lnSpc>
+                <a:spcPct val="114000"/>
+              </a:lnSpc>
+              <a:spcBef>
+                <a:spcPts val="800"/>
+              </a:spcBef>
+              <a:buNone/>
+              <a:defRPr sz="1300"/>
+            </a:lvl1pPr>
+            <a:lvl2pPr marL="457200" indent="0">
+              <a:buNone/>
+              <a:defRPr sz="1200"/>
+            </a:lvl2pPr>
+            <a:lvl3pPr marL="914400" indent="0">
+              <a:buNone/>
+              <a:defRPr sz="1000"/>
+            </a:lvl3pPr>
+            <a:lvl4pPr marL="1371600" indent="0">
+              <a:buNone/>
+              <a:defRPr sz="900"/>
+            </a:lvl4pPr>
+            <a:lvl5pPr marL="1828800" indent="0">
+              <a:buNone/>
+              <a:defRPr sz="900"/>
+            </a:lvl5pPr>
+            <a:lvl6pPr marL="2286000" indent="0">
+              <a:buNone/>
+              <a:defRPr sz="900"/>
+            </a:lvl6pPr>
+            <a:lvl7pPr marL="2743200" indent="0">
+              <a:buNone/>
+              <a:defRPr sz="900"/>
+            </a:lvl7pPr>
+            <a:lvl8pPr marL="3200400" indent="0">
+              <a:buNone/>
+              <a:defRPr sz="900"/>
+            </a:lvl8pPr>
+            <a:lvl9pPr marL="3657600" indent="0">
+              <a:buNone/>
+              <a:defRPr sz="900"/>
+            </a:lvl9pPr>
+          </a:lstStyle>
+          <a:p>
+            <a:pPr lvl="0"/>
+            <a:r>
+              <a:rPr lang="uk-UA"/>
+              <a:t>Клацніть, щоб відредагувати стилі зразків тексту</a:t>
+            </a:r>
+          </a:p>
+        </p:txBody>
+      </p:sp>
+      <p:sp>
+        <p:nvSpPr>
+          <p:cNvPr id="5" name="Date Placeholder 4"/>
+          <p:cNvSpPr>
+            <a:spLocks noGrp="1"/>
+          </p:cNvSpPr>
+          <p:nvPr>
+            <p:ph type="dt" sz="half" idx="10"/>
+          </p:nvPr>
+        </p:nvSpPr>
+        <p:spPr/>
+        <p:txBody>
+          <a:bodyPr/>
+          <a:lstStyle/>
+          <a:p>
+            <a:fld id="{5BCAD085-E8A6-8845-BD4E-CB4CCA059FC4}" type="datetimeFigureOut">
+              <a:rPr lang="en-US" smtClean="0"/>
+              <a:t>23-Apr-25</a:t>
+            </a:fld>
+            <a:endParaRPr lang="en-US"/>
+          </a:p>
+        </p:txBody>
+      </p:sp>
+      <p:sp>
+        <p:nvSpPr>
+          <p:cNvPr id="6" name="Footer Placeholder 5"/>
+          <p:cNvSpPr>
+            <a:spLocks noGrp="1"/>
+          </p:cNvSpPr>
+          <p:nvPr>
+            <p:ph type="ftr" sz="quarter" idx="11"/>
+          </p:nvPr>
+        </p:nvSpPr>
+        <p:spPr/>
+        <p:txBody>
+          <a:bodyPr/>
+          <a:lstStyle/>
+          <a:p>
+            <a:endParaRPr lang="en-US"/>
+          </a:p>
+        </p:txBody>
+      </p:sp>
+      <p:sp>
+        <p:nvSpPr>
+          <p:cNvPr id="7" name="Slide Number Placeholder 6"/>
+          <p:cNvSpPr>
+            <a:spLocks noGrp="1"/>
+          </p:cNvSpPr>
+          <p:nvPr>
+            <p:ph type="sldNum" sz="quarter" idx="12"/>
+          </p:nvPr>
+        </p:nvSpPr>
+        <p:spPr/>
+        <p:txBody>
+          <a:bodyPr/>
+          <a:lstStyle/>
+          <a:p>
+            <a:fld id="{C1FF6DA9-008F-8B48-92A6-B652298478BF}" type="slidenum">
+              <a:rPr lang="en-US" smtClean="0"/>
+              <a:t>‹№›</a:t>
+            </a:fld>
+            <a:endParaRPr lang="en-US"/>
+          </a:p>
+        </p:txBody>
+      </p:sp>
+    </p:spTree>
+    <p:extLst>
+      <p:ext uri="{BB962C8B-B14F-4D97-AF65-F5344CB8AC3E}">
+        <p14:creationId xmlns:p14="http://schemas.microsoft.com/office/powerpoint/2010/main" val="4041826437"/>
+      </p:ext>
+    </p:extLst>
+  </p:cSld>
+  <p:clrMapOvr>
+    <a:masterClrMapping/>
+  </p:clrMapOvr>
+</p:sldLayout>
+</file>
+
+<file path=ppt/slideLayouts/slideLayout11.xml><?xml version="1.0" encoding="utf-8"?>
+<p:sldLayout xmlns:a="http://schemas.openxmlformats.org/drawingml/2006/main" xmlns:r="http://schemas.openxmlformats.org/officeDocument/2006/relationships" xmlns:p="http://schemas.openxmlformats.org/presentationml/2006/main" type="picTx" preserve="1">
+  <p:cSld name="Рисунок і підпис">
+    <p:spTree>
+      <p:nvGrpSpPr>
+        <p:cNvPr id="1" name=""/>
+        <p:cNvGrpSpPr/>
+        <p:nvPr/>
+      </p:nvGrpSpPr>
+      <p:grpSpPr>
+        <a:xfrm>
+          <a:off x="0" y="0"/>
+          <a:ext cx="0" cy="0"/>
+          <a:chOff x="0" y="0"/>
+          <a:chExt cx="0" cy="0"/>
+        </a:xfrm>
+      </p:grpSpPr>
+      <p:sp>
+        <p:nvSpPr>
+          <p:cNvPr id="8" name="Rectangle 7"/>
+          <p:cNvSpPr/>
+          <p:nvPr/>
+        </p:nvSpPr>
+        <p:spPr>
+          <a:xfrm>
+            <a:off x="0" y="5105400"/>
+            <a:ext cx="11292840" cy="1752600"/>
+          </a:xfrm>
+          <a:prstGeom prst="rect">
+            <a:avLst/>
+          </a:prstGeom>
+          <a:solidFill>
+            <a:srgbClr val="000000"/>
+          </a:solidFill>
+          <a:ln>
+            <a:noFill/>
+          </a:ln>
+        </p:spPr>
+        <p:style>
+          <a:lnRef idx="2">
+            <a:schemeClr val="accent1">
+              <a:shade val="50000"/>
+            </a:schemeClr>
+          </a:lnRef>
+          <a:fillRef idx="1">
+            <a:schemeClr val="accent1"/>
+          </a:fillRef>
+          <a:effectRef idx="0">
+            <a:schemeClr val="accent1"/>
+          </a:effectRef>
+          <a:fontRef idx="minor">
+            <a:schemeClr val="lt1"/>
+          </a:fontRef>
+        </p:style>
+      </p:sp>
+      <p:sp>
+        <p:nvSpPr>
+          <p:cNvPr id="2" name="Title 1"/>
+          <p:cNvSpPr>
+            <a:spLocks noGrp="1"/>
+          </p:cNvSpPr>
+          <p:nvPr>
+            <p:ph type="title"/>
+          </p:nvPr>
+        </p:nvSpPr>
+        <p:spPr>
+          <a:xfrm>
+            <a:off x="914400" y="5257800"/>
+            <a:ext cx="9982200" cy="914400"/>
+          </a:xfrm>
+        </p:spPr>
+        <p:txBody>
+          <a:bodyPr anchor="b">
+            <a:normAutofit/>
+          </a:bodyPr>
+          <a:lstStyle>
+            <a:lvl1pPr>
+              <a:defRPr sz="2800" b="0">
+                <a:solidFill>
+                  <a:schemeClr val="bg1"/>
+                </a:solidFill>
+              </a:defRPr>
+            </a:lvl1pPr>
+          </a:lstStyle>
+          <a:p>
+            <a:r>
+              <a:rPr lang="uk-UA"/>
+              <a:t>Клацніть, щоб редагувати стиль зразка заголовка</a:t>
+            </a:r>
+            <a:endParaRPr lang="en-US" dirty="0"/>
+          </a:p>
+        </p:txBody>
+      </p:sp>
+      <p:sp>
+        <p:nvSpPr>
+          <p:cNvPr id="3" name="Picture Placeholder 2"/>
+          <p:cNvSpPr>
+            <a:spLocks noGrp="1" noChangeAspect="1"/>
+          </p:cNvSpPr>
+          <p:nvPr>
+            <p:ph type="pic" idx="1"/>
+          </p:nvPr>
+        </p:nvSpPr>
+        <p:spPr>
+          <a:xfrm>
+            <a:off x="0" y="0"/>
+            <a:ext cx="11292840" cy="5128923"/>
+          </a:xfrm>
+          <a:solidFill>
+            <a:schemeClr val="accent1"/>
+          </a:solidFill>
+        </p:spPr>
+        <p:txBody>
+          <a:bodyPr anchor="t"/>
+          <a:lstStyle>
+            <a:lvl1pPr marL="0" indent="0">
+              <a:buNone/>
+              <a:defRPr sz="3200">
+                <a:solidFill>
+                  <a:schemeClr val="bg1"/>
+                </a:solidFill>
+              </a:defRPr>
+            </a:lvl1pPr>
+            <a:lvl2pPr marL="457200" indent="0">
+              <a:buNone/>
+              <a:defRPr sz="2800"/>
+            </a:lvl2pPr>
+            <a:lvl3pPr marL="914400" indent="0">
+              <a:buNone/>
+              <a:defRPr sz="2400"/>
+            </a:lvl3pPr>
+            <a:lvl4pPr marL="1371600" indent="0">
+              <a:buNone/>
+              <a:defRPr sz="2000"/>
+            </a:lvl4pPr>
+            <a:lvl5pPr marL="1828800" indent="0">
+              <a:buNone/>
+              <a:defRPr sz="2000"/>
+            </a:lvl5pPr>
+            <a:lvl6pPr marL="2286000" indent="0">
+              <a:buNone/>
+              <a:defRPr sz="2000"/>
+            </a:lvl6pPr>
+            <a:lvl7pPr marL="2743200" indent="0">
+              <a:buNone/>
+              <a:defRPr sz="2000"/>
+            </a:lvl7pPr>
+            <a:lvl8pPr marL="3200400" indent="0">
+              <a:buNone/>
+              <a:defRPr sz="2000"/>
+            </a:lvl8pPr>
+            <a:lvl9pPr marL="3657600" indent="0">
+              <a:buNone/>
+              <a:defRPr sz="2000"/>
+            </a:lvl9pPr>
+          </a:lstStyle>
+          <a:p>
+            <a:r>
+              <a:rPr lang="uk-UA"/>
+              <a:t>Клацніть піктограму, щоб додати зображення</a:t>
+            </a:r>
+            <a:endParaRPr lang="en-US" dirty="0"/>
+          </a:p>
+        </p:txBody>
+      </p:sp>
+      <p:sp>
+        <p:nvSpPr>
+          <p:cNvPr id="4" name="Text Placeholder 3"/>
+          <p:cNvSpPr>
+            <a:spLocks noGrp="1"/>
+          </p:cNvSpPr>
+          <p:nvPr>
+            <p:ph type="body" sz="half" idx="2"/>
+          </p:nvPr>
+        </p:nvSpPr>
+        <p:spPr>
+          <a:xfrm>
+            <a:off x="914400" y="6108589"/>
+            <a:ext cx="9982200" cy="597011"/>
+          </a:xfrm>
+        </p:spPr>
+        <p:txBody>
+          <a:bodyPr>
+            <a:normAutofit/>
+          </a:bodyPr>
+          <a:lstStyle>
+            <a:lvl1pPr marL="0" indent="0">
+              <a:lnSpc>
+                <a:spcPct val="100000"/>
+              </a:lnSpc>
+              <a:spcBef>
+                <a:spcPts val="800"/>
+              </a:spcBef>
+              <a:buNone/>
+              <a:defRPr sz="1300">
+                <a:solidFill>
+                  <a:schemeClr val="bg1">
+                    <a:lumMod val="85000"/>
+                  </a:schemeClr>
+                </a:solidFill>
+              </a:defRPr>
+            </a:lvl1pPr>
+            <a:lvl2pPr marL="457200" indent="0">
+              <a:buNone/>
+              <a:defRPr sz="1200"/>
+            </a:lvl2pPr>
+            <a:lvl3pPr marL="914400" indent="0">
+              <a:buNone/>
+              <a:defRPr sz="1000"/>
+            </a:lvl3pPr>
+            <a:lvl4pPr marL="1371600" indent="0">
+              <a:buNone/>
+              <a:defRPr sz="900"/>
+            </a:lvl4pPr>
+            <a:lvl5pPr marL="1828800" indent="0">
+              <a:buNone/>
+              <a:defRPr sz="900"/>
+            </a:lvl5pPr>
+            <a:lvl6pPr marL="2286000" indent="0">
+              <a:buNone/>
+              <a:defRPr sz="900"/>
+            </a:lvl6pPr>
+            <a:lvl7pPr marL="2743200" indent="0">
+              <a:buNone/>
+              <a:defRPr sz="900"/>
+            </a:lvl7pPr>
+            <a:lvl8pPr marL="3200400" indent="0">
+              <a:buNone/>
+              <a:defRPr sz="900"/>
+            </a:lvl8pPr>
+            <a:lvl9pPr marL="3657600" indent="0">
+              <a:buNone/>
+              <a:defRPr sz="900"/>
+            </a:lvl9pPr>
+          </a:lstStyle>
+          <a:p>
+            <a:pPr lvl="0"/>
+            <a:r>
+              <a:rPr lang="uk-UA"/>
+              <a:t>Клацніть, щоб відредагувати стилі зразків тексту</a:t>
+            </a:r>
+          </a:p>
+        </p:txBody>
+      </p:sp>
+      <p:sp>
+        <p:nvSpPr>
+          <p:cNvPr id="5" name="Date Placeholder 4"/>
+          <p:cNvSpPr>
+            <a:spLocks noGrp="1"/>
+          </p:cNvSpPr>
+          <p:nvPr>
+            <p:ph type="dt" sz="half" idx="10"/>
+          </p:nvPr>
+        </p:nvSpPr>
+        <p:spPr/>
+        <p:txBody>
+          <a:bodyPr/>
+          <a:lstStyle/>
+          <a:p>
+            <a:fld id="{5BCAD085-E8A6-8845-BD4E-CB4CCA059FC4}" type="datetimeFigureOut">
+              <a:rPr lang="en-US" smtClean="0"/>
+              <a:t>23-Apr-25</a:t>
+            </a:fld>
+            <a:endParaRPr lang="en-US"/>
+          </a:p>
+        </p:txBody>
+      </p:sp>
+      <p:sp>
+        <p:nvSpPr>
+          <p:cNvPr id="6" name="Footer Placeholder 5"/>
+          <p:cNvSpPr>
+            <a:spLocks noGrp="1"/>
+          </p:cNvSpPr>
+          <p:nvPr>
+            <p:ph type="ftr" sz="quarter" idx="11"/>
+          </p:nvPr>
+        </p:nvSpPr>
+        <p:spPr/>
+        <p:txBody>
+          <a:bodyPr/>
+          <a:lstStyle/>
+          <a:p>
+            <a:endParaRPr lang="en-US"/>
+          </a:p>
+        </p:txBody>
+      </p:sp>
+      <p:sp>
+        <p:nvSpPr>
+          <p:cNvPr id="7" name="Slide Number Placeholder 6"/>
+          <p:cNvSpPr>
+            <a:spLocks noGrp="1"/>
+          </p:cNvSpPr>
+          <p:nvPr>
+            <p:ph type="sldNum" sz="quarter" idx="12"/>
+          </p:nvPr>
+        </p:nvSpPr>
+        <p:spPr/>
+        <p:txBody>
+          <a:bodyPr/>
+          <a:lstStyle/>
+          <a:p>
+            <a:fld id="{C1FF6DA9-008F-8B48-92A6-B652298478BF}" type="slidenum">
+              <a:rPr lang="en-US" smtClean="0"/>
+              <a:t>‹№›</a:t>
+            </a:fld>
+            <a:endParaRPr lang="en-US"/>
+          </a:p>
+        </p:txBody>
+      </p:sp>
+    </p:spTree>
+    <p:extLst>
+      <p:ext uri="{BB962C8B-B14F-4D97-AF65-F5344CB8AC3E}">
+        <p14:creationId xmlns:p14="http://schemas.microsoft.com/office/powerpoint/2010/main" val="527939223"/>
+      </p:ext>
+    </p:extLst>
+  </p:cSld>
+  <p:clrMapOvr>
+    <a:masterClrMapping/>
+  </p:clrMapOvr>
+</p:sldLayout>
+</file>
+
+<file path=ppt/slideLayouts/slideLayout12.xml><?xml version="1.0" encoding="utf-8"?>
 <p:sldLayout xmlns:a="http://schemas.openxmlformats.org/drawingml/2006/main" xmlns:r="http://schemas.openxmlformats.org/officeDocument/2006/relationships" xmlns:p="http://schemas.openxmlformats.org/presentationml/2006/main" type="vertTx" preserve="1">
   <p:cSld name="Заголовок і вертикальний текст">
     <p:spTree>
@@ -575,7 +1184,7 @@
 </p:sldLayout>
 </file>
 
-<file path=ppt/slideLayouts/slideLayout11.xml><?xml version="1.0" encoding="utf-8"?>
+<file path=ppt/slideLayouts/slideLayout13.xml><?xml version="1.0" encoding="utf-8"?>
 <p:sldLayout xmlns:a="http://schemas.openxmlformats.org/drawingml/2006/main" xmlns:r="http://schemas.openxmlformats.org/officeDocument/2006/relationships" xmlns:p="http://schemas.openxmlformats.org/presentationml/2006/main" type="vertTitleAndTx" preserve="1">
   <p:cSld name="Вертикальний заголовок і текст">
     <p:spTree>
@@ -756,7 +1365,7 @@
 </file>
 
 <file path=ppt/slideLayouts/slideLayout2.xml><?xml version="1.0" encoding="utf-8"?>
-<p:sldLayout xmlns:a="http://schemas.openxmlformats.org/drawingml/2006/main" xmlns:r="http://schemas.openxmlformats.org/officeDocument/2006/relationships" xmlns:p="http://schemas.openxmlformats.org/presentationml/2006/main" type="obj" preserve="1">
+<p:sldLayout xmlns:a="http://schemas.openxmlformats.org/drawingml/2006/main" xmlns:r="http://schemas.openxmlformats.org/officeDocument/2006/relationships" xmlns:p="http://schemas.openxmlformats.org/presentationml/2006/main" preserve="1" userDrawn="1">
   <p:cSld name="Назва та вміст">
     <p:spTree>
       <p:nvGrpSpPr>
@@ -912,6 +1521,36 @@
           </a:p>
         </p:txBody>
       </p:sp>
+      <p:sp>
+        <p:nvSpPr>
+          <p:cNvPr id="8" name="Місце для зображення 7">
+            <a:extLst>
+              <a:ext uri="{FF2B5EF4-FFF2-40B4-BE49-F238E27FC236}">
+                <a16:creationId xmlns:a16="http://schemas.microsoft.com/office/drawing/2014/main" id="{EEE841D5-7F92-C5E7-39E3-24E985836D54}"/>
+              </a:ext>
+            </a:extLst>
+          </p:cNvPr>
+          <p:cNvSpPr>
+            <a:spLocks noGrp="1"/>
+          </p:cNvSpPr>
+          <p:nvPr>
+            <p:ph type="pic" sz="quarter" idx="13"/>
+          </p:nvPr>
+        </p:nvSpPr>
+        <p:spPr>
+          <a:xfrm>
+            <a:off x="7270750" y="1828800"/>
+            <a:ext cx="3951288" cy="4937125"/>
+          </a:xfrm>
+        </p:spPr>
+        <p:txBody>
+          <a:bodyPr/>
+          <a:lstStyle/>
+          <a:p>
+            <a:endParaRPr lang="uk-UA"/>
+          </a:p>
+        </p:txBody>
+      </p:sp>
     </p:spTree>
     <p:extLst>
       <p:ext uri="{BB962C8B-B14F-4D97-AF65-F5344CB8AC3E}">
@@ -922,10 +1561,223 @@
   <p:clrMapOvr>
     <a:masterClrMapping/>
   </p:clrMapOvr>
+  <p:extLst>
+    <p:ext uri="{DCECCB84-F9BA-43D5-87BE-67443E8EF086}">
+      <p15:sldGuideLst xmlns:p15="http://schemas.microsoft.com/office/powerpoint/2012/main">
+        <p15:guide id="1" orient="horz" pos="2160" userDrawn="1">
+          <p15:clr>
+            <a:srgbClr val="FBAE40"/>
+          </p15:clr>
+        </p15:guide>
+        <p15:guide id="2" pos="3840" userDrawn="1">
+          <p15:clr>
+            <a:srgbClr val="FBAE40"/>
+          </p15:clr>
+        </p15:guide>
+      </p15:sldGuideLst>
+    </p:ext>
+  </p:extLst>
 </p:sldLayout>
 </file>
 
 <file path=ppt/slideLayouts/slideLayout3.xml><?xml version="1.0" encoding="utf-8"?>
+<p:sldLayout xmlns:a="http://schemas.openxmlformats.org/drawingml/2006/main" xmlns:r="http://schemas.openxmlformats.org/officeDocument/2006/relationships" xmlns:p="http://schemas.openxmlformats.org/presentationml/2006/main" preserve="1" userDrawn="1">
+  <p:cSld name="1_Користувацький макет">
+    <p:spTree>
+      <p:nvGrpSpPr>
+        <p:cNvPr id="1" name=""/>
+        <p:cNvGrpSpPr/>
+        <p:nvPr/>
+      </p:nvGrpSpPr>
+      <p:grpSpPr>
+        <a:xfrm>
+          <a:off x="0" y="0"/>
+          <a:ext cx="0" cy="0"/>
+          <a:chOff x="0" y="0"/>
+          <a:chExt cx="0" cy="0"/>
+        </a:xfrm>
+      </p:grpSpPr>
+      <p:sp>
+        <p:nvSpPr>
+          <p:cNvPr id="2" name="Заголовок 1">
+            <a:extLst>
+              <a:ext uri="{FF2B5EF4-FFF2-40B4-BE49-F238E27FC236}">
+                <a16:creationId xmlns:a16="http://schemas.microsoft.com/office/drawing/2014/main" id="{CA56B46A-FF92-C4B4-6678-FAF7B0F46CF1}"/>
+              </a:ext>
+            </a:extLst>
+          </p:cNvPr>
+          <p:cNvSpPr>
+            <a:spLocks noGrp="1"/>
+          </p:cNvSpPr>
+          <p:nvPr>
+            <p:ph type="title"/>
+          </p:nvPr>
+        </p:nvSpPr>
+        <p:spPr/>
+        <p:txBody>
+          <a:bodyPr/>
+          <a:lstStyle/>
+          <a:p>
+            <a:r>
+              <a:rPr lang="uk-UA"/>
+              <a:t>Клацніть, щоб редагувати стиль зразка заголовка</a:t>
+            </a:r>
+          </a:p>
+        </p:txBody>
+      </p:sp>
+      <p:sp>
+        <p:nvSpPr>
+          <p:cNvPr id="3" name="Місце для дати 2">
+            <a:extLst>
+              <a:ext uri="{FF2B5EF4-FFF2-40B4-BE49-F238E27FC236}">
+                <a16:creationId xmlns:a16="http://schemas.microsoft.com/office/drawing/2014/main" id="{23CDCD1A-A4A8-00EE-DAF7-460E1CD8E29C}"/>
+              </a:ext>
+            </a:extLst>
+          </p:cNvPr>
+          <p:cNvSpPr>
+            <a:spLocks noGrp="1"/>
+          </p:cNvSpPr>
+          <p:nvPr>
+            <p:ph type="dt" sz="half" idx="10"/>
+          </p:nvPr>
+        </p:nvSpPr>
+        <p:spPr/>
+        <p:txBody>
+          <a:bodyPr/>
+          <a:lstStyle/>
+          <a:p>
+            <a:fld id="{5BCAD085-E8A6-8845-BD4E-CB4CCA059FC4}" type="datetimeFigureOut">
+              <a:rPr lang="en-US" smtClean="0"/>
+              <a:t>23-Apr-25</a:t>
+            </a:fld>
+            <a:endParaRPr lang="en-US"/>
+          </a:p>
+        </p:txBody>
+      </p:sp>
+      <p:sp>
+        <p:nvSpPr>
+          <p:cNvPr id="4" name="Місце для нижнього колонтитула 3">
+            <a:extLst>
+              <a:ext uri="{FF2B5EF4-FFF2-40B4-BE49-F238E27FC236}">
+                <a16:creationId xmlns:a16="http://schemas.microsoft.com/office/drawing/2014/main" id="{825E171B-2176-144C-D2E0-AA42F6B30602}"/>
+              </a:ext>
+            </a:extLst>
+          </p:cNvPr>
+          <p:cNvSpPr>
+            <a:spLocks noGrp="1"/>
+          </p:cNvSpPr>
+          <p:nvPr>
+            <p:ph type="ftr" sz="quarter" idx="11"/>
+          </p:nvPr>
+        </p:nvSpPr>
+        <p:spPr/>
+        <p:txBody>
+          <a:bodyPr/>
+          <a:lstStyle/>
+          <a:p>
+            <a:endParaRPr lang="en-US"/>
+          </a:p>
+        </p:txBody>
+      </p:sp>
+      <p:sp>
+        <p:nvSpPr>
+          <p:cNvPr id="5" name="Місце для номера слайда 4">
+            <a:extLst>
+              <a:ext uri="{FF2B5EF4-FFF2-40B4-BE49-F238E27FC236}">
+                <a16:creationId xmlns:a16="http://schemas.microsoft.com/office/drawing/2014/main" id="{EBA797E9-59E8-CB58-B54B-F4DB74D65A4B}"/>
+              </a:ext>
+            </a:extLst>
+          </p:cNvPr>
+          <p:cNvSpPr>
+            <a:spLocks noGrp="1"/>
+          </p:cNvSpPr>
+          <p:nvPr>
+            <p:ph type="sldNum" sz="quarter" idx="12"/>
+          </p:nvPr>
+        </p:nvSpPr>
+        <p:spPr/>
+        <p:txBody>
+          <a:bodyPr/>
+          <a:lstStyle/>
+          <a:p>
+            <a:fld id="{C1FF6DA9-008F-8B48-92A6-B652298478BF}" type="slidenum">
+              <a:rPr lang="en-US" smtClean="0"/>
+              <a:t>‹№›</a:t>
+            </a:fld>
+            <a:endParaRPr lang="en-US"/>
+          </a:p>
+        </p:txBody>
+      </p:sp>
+      <p:sp>
+        <p:nvSpPr>
+          <p:cNvPr id="7" name="Місце для вмісту 6">
+            <a:extLst>
+              <a:ext uri="{FF2B5EF4-FFF2-40B4-BE49-F238E27FC236}">
+                <a16:creationId xmlns:a16="http://schemas.microsoft.com/office/drawing/2014/main" id="{5EC48B02-E473-80D7-5323-78A6B8B553AC}"/>
+              </a:ext>
+            </a:extLst>
+          </p:cNvPr>
+          <p:cNvSpPr>
+            <a:spLocks noGrp="1"/>
+          </p:cNvSpPr>
+          <p:nvPr>
+            <p:ph sz="quarter" idx="13" hasCustomPrompt="1"/>
+          </p:nvPr>
+        </p:nvSpPr>
+        <p:spPr>
+          <a:xfrm>
+            <a:off x="8523288" y="1900238"/>
+            <a:ext cx="2600325" cy="4865687"/>
+          </a:xfrm>
+        </p:spPr>
+        <p:txBody>
+          <a:bodyPr/>
+          <a:lstStyle>
+            <a:lvl1pPr marL="0" indent="0">
+              <a:buNone/>
+              <a:defRPr/>
+            </a:lvl1pPr>
+          </a:lstStyle>
+          <a:p>
+            <a:pPr lvl="0"/>
+            <a:r>
+              <a:rPr lang="en-US" dirty="0"/>
+              <a:t>{{{image}}</a:t>
+            </a:r>
+            <a:endParaRPr lang="uk-UA" dirty="0"/>
+          </a:p>
+        </p:txBody>
+      </p:sp>
+    </p:spTree>
+    <p:extLst>
+      <p:ext uri="{BB962C8B-B14F-4D97-AF65-F5344CB8AC3E}">
+        <p14:creationId xmlns:p14="http://schemas.microsoft.com/office/powerpoint/2010/main" val="2362084324"/>
+      </p:ext>
+    </p:extLst>
+  </p:cSld>
+  <p:clrMapOvr>
+    <a:masterClrMapping/>
+  </p:clrMapOvr>
+  <p:extLst>
+    <p:ext uri="{DCECCB84-F9BA-43D5-87BE-67443E8EF086}">
+      <p15:sldGuideLst xmlns:p15="http://schemas.microsoft.com/office/powerpoint/2012/main">
+        <p15:guide id="1" orient="horz" pos="2160" userDrawn="1">
+          <p15:clr>
+            <a:srgbClr val="FBAE40"/>
+          </p15:clr>
+        </p15:guide>
+        <p15:guide id="2" pos="3840" userDrawn="1">
+          <p15:clr>
+            <a:srgbClr val="FBAE40"/>
+          </p15:clr>
+        </p15:guide>
+      </p15:sldGuideLst>
+    </p:ext>
+  </p:extLst>
+</p:sldLayout>
+</file>
+
+<file path=ppt/slideLayouts/slideLayout4.xml><?xml version="1.0" encoding="utf-8"?>
 <p:sldLayout xmlns:a="http://schemas.openxmlformats.org/drawingml/2006/main" xmlns:r="http://schemas.openxmlformats.org/officeDocument/2006/relationships" xmlns:p="http://schemas.openxmlformats.org/presentationml/2006/main" type="secHead" preserve="1">
   <p:cSld name="Назва розділу">
     <p:spTree>
@@ -1217,7 +2069,7 @@
 </p:sldLayout>
 </file>
 
-<file path=ppt/slideLayouts/slideLayout4.xml><?xml version="1.0" encoding="utf-8"?>
+<file path=ppt/slideLayouts/slideLayout5.xml><?xml version="1.0" encoding="utf-8"?>
 <p:sldLayout xmlns:a="http://schemas.openxmlformats.org/drawingml/2006/main" xmlns:r="http://schemas.openxmlformats.org/officeDocument/2006/relationships" xmlns:p="http://schemas.openxmlformats.org/presentationml/2006/main" type="twoObj" preserve="1">
   <p:cSld name="Два об’єкти">
     <p:spTree>
@@ -1505,7 +2357,7 @@
 </p:sldLayout>
 </file>
 
-<file path=ppt/slideLayouts/slideLayout5.xml><?xml version="1.0" encoding="utf-8"?>
+<file path=ppt/slideLayouts/slideLayout6.xml><?xml version="1.0" encoding="utf-8"?>
 <p:sldLayout xmlns:a="http://schemas.openxmlformats.org/drawingml/2006/main" xmlns:r="http://schemas.openxmlformats.org/officeDocument/2006/relationships" xmlns:p="http://schemas.openxmlformats.org/presentationml/2006/main" type="twoTxTwoObj" preserve="1">
   <p:cSld name="Порівняння">
     <p:spTree>
@@ -1956,7 +2808,7 @@
 </p:sldLayout>
 </file>
 
-<file path=ppt/slideLayouts/slideLayout6.xml><?xml version="1.0" encoding="utf-8"?>
+<file path=ppt/slideLayouts/slideLayout7.xml><?xml version="1.0" encoding="utf-8"?>
 <p:sldLayout xmlns:a="http://schemas.openxmlformats.org/drawingml/2006/main" xmlns:r="http://schemas.openxmlformats.org/officeDocument/2006/relationships" xmlns:p="http://schemas.openxmlformats.org/presentationml/2006/main" type="titleOnly" preserve="1">
   <p:cSld name="Лише заголовок">
     <p:spTree>
@@ -2074,7 +2926,7 @@
 </p:sldLayout>
 </file>
 
-<file path=ppt/slideLayouts/slideLayout7.xml><?xml version="1.0" encoding="utf-8"?>
+<file path=ppt/slideLayouts/slideLayout8.xml><?xml version="1.0" encoding="utf-8"?>
 <p:sldLayout xmlns:a="http://schemas.openxmlformats.org/drawingml/2006/main" xmlns:r="http://schemas.openxmlformats.org/officeDocument/2006/relationships" xmlns:p="http://schemas.openxmlformats.org/presentationml/2006/main" type="blank" preserve="1">
   <p:cSld name="Пустий слайд">
     <p:spTree>
@@ -2166,12 +3018,28 @@
   <p:clrMapOvr>
     <a:masterClrMapping/>
   </p:clrMapOvr>
+  <p:extLst>
+    <p:ext uri="{DCECCB84-F9BA-43D5-87BE-67443E8EF086}">
+      <p15:sldGuideLst xmlns:p15="http://schemas.microsoft.com/office/powerpoint/2012/main">
+        <p15:guide id="1" orient="horz" pos="2160" userDrawn="1">
+          <p15:clr>
+            <a:srgbClr val="FBAE40"/>
+          </p15:clr>
+        </p15:guide>
+        <p15:guide id="2" pos="3840" userDrawn="1">
+          <p15:clr>
+            <a:srgbClr val="FBAE40"/>
+          </p15:clr>
+        </p15:guide>
+      </p15:sldGuideLst>
+    </p:ext>
+  </p:extLst>
 </p:sldLayout>
 </file>
 
-<file path=ppt/slideLayouts/slideLayout8.xml><?xml version="1.0" encoding="utf-8"?>
-<p:sldLayout xmlns:a="http://schemas.openxmlformats.org/drawingml/2006/main" xmlns:r="http://schemas.openxmlformats.org/officeDocument/2006/relationships" xmlns:p="http://schemas.openxmlformats.org/presentationml/2006/main" type="objTx" preserve="1">
-  <p:cSld name="Вміст і підпис">
+<file path=ppt/slideLayouts/slideLayout9.xml><?xml version="1.0" encoding="utf-8"?>
+<p:sldLayout xmlns:a="http://schemas.openxmlformats.org/drawingml/2006/main" xmlns:r="http://schemas.openxmlformats.org/officeDocument/2006/relationships" xmlns:p="http://schemas.openxmlformats.org/presentationml/2006/main" preserve="1" userDrawn="1">
+  <p:cSld name="Користувацький макет">
     <p:spTree>
       <p:nvGrpSpPr>
         <p:cNvPr id="1" name=""/>
@@ -2188,7 +3056,13 @@
       </p:grpSpPr>
       <p:sp>
         <p:nvSpPr>
-          <p:cNvPr id="2" name="Title 1"/>
+          <p:cNvPr id="2" name="Заголовок 1">
+            <a:extLst>
+              <a:ext uri="{FF2B5EF4-FFF2-40B4-BE49-F238E27FC236}">
+                <a16:creationId xmlns:a16="http://schemas.microsoft.com/office/drawing/2014/main" id="{E79D8B02-D64E-FF53-DEE4-077586720C12}"/>
+              </a:ext>
+            </a:extLst>
+          </p:cNvPr>
           <p:cNvSpPr>
             <a:spLocks noGrp="1"/>
           </p:cNvSpPr>
@@ -2198,189 +3072,30 @@
         </p:nvSpPr>
         <p:spPr>
           <a:xfrm>
-            <a:off x="841248" y="457200"/>
-            <a:ext cx="3200400" cy="1600197"/>
+            <a:off x="1261872" y="365760"/>
+            <a:ext cx="7609713" cy="1325562"/>
           </a:xfrm>
         </p:spPr>
         <p:txBody>
-          <a:bodyPr anchor="b">
-            <a:normAutofit/>
-          </a:bodyPr>
-          <a:lstStyle>
-            <a:lvl1pPr>
-              <a:defRPr sz="3200" b="0" baseline="0"/>
-            </a:lvl1pPr>
-          </a:lstStyle>
+          <a:bodyPr/>
+          <a:lstStyle/>
           <a:p>
             <a:r>
               <a:rPr lang="uk-UA"/>
               <a:t>Клацніть, щоб редагувати стиль зразка заголовка</a:t>
             </a:r>
-            <a:endParaRPr lang="en-US" dirty="0"/>
-          </a:p>
-        </p:txBody>
-      </p:sp>
-      <p:sp>
-        <p:nvSpPr>
-          <p:cNvPr id="3" name="Content Placeholder 2"/>
-          <p:cNvSpPr>
-            <a:spLocks noGrp="1"/>
-          </p:cNvSpPr>
-          <p:nvPr>
-            <p:ph idx="1"/>
-          </p:nvPr>
-        </p:nvSpPr>
-        <p:spPr>
-          <a:xfrm>
-            <a:off x="4504267" y="685800"/>
-            <a:ext cx="6079066" cy="5486400"/>
-          </a:xfrm>
-        </p:spPr>
-        <p:txBody>
-          <a:bodyPr/>
-          <a:lstStyle>
-            <a:lvl1pPr>
-              <a:defRPr sz="2000"/>
-            </a:lvl1pPr>
-            <a:lvl2pPr>
-              <a:defRPr sz="1800"/>
-            </a:lvl2pPr>
-            <a:lvl3pPr>
-              <a:defRPr sz="1600"/>
-            </a:lvl3pPr>
-            <a:lvl4pPr>
-              <a:defRPr sz="1400"/>
-            </a:lvl4pPr>
-            <a:lvl5pPr>
-              <a:defRPr sz="1400"/>
-            </a:lvl5pPr>
-            <a:lvl6pPr>
-              <a:defRPr sz="1400"/>
-            </a:lvl6pPr>
-            <a:lvl7pPr>
-              <a:defRPr sz="1400"/>
-            </a:lvl7pPr>
-            <a:lvl8pPr>
-              <a:defRPr sz="1400"/>
-            </a:lvl8pPr>
-            <a:lvl9pPr>
-              <a:defRPr sz="1400"/>
-            </a:lvl9pPr>
-          </a:lstStyle>
-          <a:p>
-            <a:pPr lvl="0"/>
-            <a:r>
-              <a:rPr lang="uk-UA"/>
-              <a:t>Клацніть, щоб відредагувати стилі зразків тексту</a:t>
-            </a:r>
-          </a:p>
-          <a:p>
-            <a:pPr lvl="1"/>
-            <a:r>
-              <a:rPr lang="uk-UA"/>
-              <a:t>Другий рівень</a:t>
-            </a:r>
-          </a:p>
-          <a:p>
-            <a:pPr lvl="2"/>
-            <a:r>
-              <a:rPr lang="uk-UA"/>
-              <a:t>Третій рівень</a:t>
-            </a:r>
-          </a:p>
-          <a:p>
-            <a:pPr lvl="3"/>
-            <a:r>
-              <a:rPr lang="uk-UA"/>
-              <a:t>Четвертий рівень</a:t>
-            </a:r>
-          </a:p>
-          <a:p>
-            <a:pPr lvl="4"/>
-            <a:r>
-              <a:rPr lang="uk-UA"/>
-              <a:t>П’ятий рівень</a:t>
-            </a:r>
-            <a:endParaRPr lang="en-US" dirty="0"/>
-          </a:p>
-        </p:txBody>
-      </p:sp>
-      <p:sp>
-        <p:nvSpPr>
-          <p:cNvPr id="4" name="Text Placeholder 3"/>
-          <p:cNvSpPr>
-            <a:spLocks noGrp="1"/>
-          </p:cNvSpPr>
-          <p:nvPr>
-            <p:ph type="body" sz="half" idx="2"/>
-          </p:nvPr>
-        </p:nvSpPr>
-        <p:spPr>
-          <a:xfrm>
-            <a:off x="841248" y="2099734"/>
-            <a:ext cx="3200400" cy="3810001"/>
-          </a:xfrm>
-        </p:spPr>
-        <p:txBody>
-          <a:bodyPr>
-            <a:normAutofit/>
-          </a:bodyPr>
-          <a:lstStyle>
-            <a:lvl1pPr marL="0" indent="0">
-              <a:lnSpc>
-                <a:spcPct val="114000"/>
-              </a:lnSpc>
-              <a:spcBef>
-                <a:spcPts val="800"/>
-              </a:spcBef>
-              <a:buNone/>
-              <a:defRPr sz="1300"/>
-            </a:lvl1pPr>
-            <a:lvl2pPr marL="457200" indent="0">
-              <a:buNone/>
-              <a:defRPr sz="1200"/>
-            </a:lvl2pPr>
-            <a:lvl3pPr marL="914400" indent="0">
-              <a:buNone/>
-              <a:defRPr sz="1000"/>
-            </a:lvl3pPr>
-            <a:lvl4pPr marL="1371600" indent="0">
-              <a:buNone/>
-              <a:defRPr sz="900"/>
-            </a:lvl4pPr>
-            <a:lvl5pPr marL="1828800" indent="0">
-              <a:buNone/>
-              <a:defRPr sz="900"/>
-            </a:lvl5pPr>
-            <a:lvl6pPr marL="2286000" indent="0">
-              <a:buNone/>
-              <a:defRPr sz="900"/>
-            </a:lvl6pPr>
-            <a:lvl7pPr marL="2743200" indent="0">
-              <a:buNone/>
-              <a:defRPr sz="900"/>
-            </a:lvl7pPr>
-            <a:lvl8pPr marL="3200400" indent="0">
-              <a:buNone/>
-              <a:defRPr sz="900"/>
-            </a:lvl8pPr>
-            <a:lvl9pPr marL="3657600" indent="0">
-              <a:buNone/>
-              <a:defRPr sz="900"/>
-            </a:lvl9pPr>
-          </a:lstStyle>
-          <a:p>
-            <a:pPr lvl="0"/>
-            <a:r>
-              <a:rPr lang="uk-UA"/>
-              <a:t>Клацніть, щоб відредагувати стилі зразків тексту</a:t>
-            </a:r>
-          </a:p>
-        </p:txBody>
-      </p:sp>
-      <p:sp>
-        <p:nvSpPr>
-          <p:cNvPr id="5" name="Date Placeholder 4"/>
+          </a:p>
+        </p:txBody>
+      </p:sp>
+      <p:sp>
+        <p:nvSpPr>
+          <p:cNvPr id="3" name="Місце для дати 2">
+            <a:extLst>
+              <a:ext uri="{FF2B5EF4-FFF2-40B4-BE49-F238E27FC236}">
+                <a16:creationId xmlns:a16="http://schemas.microsoft.com/office/drawing/2014/main" id="{8E0F32AC-DFFF-8A0E-EDF0-7B6243EE12E1}"/>
+              </a:ext>
+            </a:extLst>
+          </p:cNvPr>
           <p:cNvSpPr>
             <a:spLocks noGrp="1"/>
           </p:cNvSpPr>
@@ -2403,7 +3118,13 @@
       </p:sp>
       <p:sp>
         <p:nvSpPr>
-          <p:cNvPr id="6" name="Footer Placeholder 5"/>
+          <p:cNvPr id="4" name="Місце для нижнього колонтитула 3">
+            <a:extLst>
+              <a:ext uri="{FF2B5EF4-FFF2-40B4-BE49-F238E27FC236}">
+                <a16:creationId xmlns:a16="http://schemas.microsoft.com/office/drawing/2014/main" id="{7F199B7A-CEC6-231C-6860-58F78A40E56E}"/>
+              </a:ext>
+            </a:extLst>
+          </p:cNvPr>
           <p:cNvSpPr>
             <a:spLocks noGrp="1"/>
           </p:cNvSpPr>
@@ -2422,7 +3143,13 @@
       </p:sp>
       <p:sp>
         <p:nvSpPr>
-          <p:cNvPr id="7" name="Slide Number Placeholder 6"/>
+          <p:cNvPr id="5" name="Місце для номера слайда 4">
+            <a:extLst>
+              <a:ext uri="{FF2B5EF4-FFF2-40B4-BE49-F238E27FC236}">
+                <a16:creationId xmlns:a16="http://schemas.microsoft.com/office/drawing/2014/main" id="{FBA9CA59-5E84-4F13-1C60-E06FFEDEB7C7}"/>
+              </a:ext>
+            </a:extLst>
+          </p:cNvPr>
           <p:cNvSpPr>
             <a:spLocks noGrp="1"/>
           </p:cNvSpPr>
@@ -2443,338 +3170,62 @@
           </a:p>
         </p:txBody>
       </p:sp>
+      <p:sp>
+        <p:nvSpPr>
+          <p:cNvPr id="7" name="Місце для зображення 6">
+            <a:extLst>
+              <a:ext uri="{FF2B5EF4-FFF2-40B4-BE49-F238E27FC236}">
+                <a16:creationId xmlns:a16="http://schemas.microsoft.com/office/drawing/2014/main" id="{A2FD1283-80C5-2CCC-1943-1AAE96CC6ED5}"/>
+              </a:ext>
+            </a:extLst>
+          </p:cNvPr>
+          <p:cNvSpPr>
+            <a:spLocks noGrp="1"/>
+          </p:cNvSpPr>
+          <p:nvPr>
+            <p:ph type="pic" sz="quarter" idx="13"/>
+          </p:nvPr>
+        </p:nvSpPr>
+        <p:spPr>
+          <a:xfrm>
+            <a:off x="8886825" y="0"/>
+            <a:ext cx="3305175" cy="6858000"/>
+          </a:xfrm>
+        </p:spPr>
+        <p:txBody>
+          <a:bodyPr/>
+          <a:lstStyle/>
+          <a:p>
+            <a:endParaRPr lang="uk-UA"/>
+          </a:p>
+        </p:txBody>
+      </p:sp>
     </p:spTree>
     <p:extLst>
       <p:ext uri="{BB962C8B-B14F-4D97-AF65-F5344CB8AC3E}">
-        <p14:creationId xmlns:p14="http://schemas.microsoft.com/office/powerpoint/2010/main" val="4041826437"/>
+        <p14:creationId xmlns:p14="http://schemas.microsoft.com/office/powerpoint/2010/main" val="434356197"/>
       </p:ext>
     </p:extLst>
   </p:cSld>
   <p:clrMapOvr>
     <a:masterClrMapping/>
   </p:clrMapOvr>
-</p:sldLayout>
-</file>
-
-<file path=ppt/slideLayouts/slideLayout9.xml><?xml version="1.0" encoding="utf-8"?>
-<p:sldLayout xmlns:a="http://schemas.openxmlformats.org/drawingml/2006/main" xmlns:r="http://schemas.openxmlformats.org/officeDocument/2006/relationships" xmlns:p="http://schemas.openxmlformats.org/presentationml/2006/main" type="picTx" preserve="1">
-  <p:cSld name="Рисунок і підпис">
-    <p:spTree>
-      <p:nvGrpSpPr>
-        <p:cNvPr id="1" name=""/>
-        <p:cNvGrpSpPr/>
-        <p:nvPr/>
-      </p:nvGrpSpPr>
-      <p:grpSpPr>
-        <a:xfrm>
-          <a:off x="0" y="0"/>
-          <a:ext cx="0" cy="0"/>
-          <a:chOff x="0" y="0"/>
-          <a:chExt cx="0" cy="0"/>
-        </a:xfrm>
-      </p:grpSpPr>
-      <p:sp>
-        <p:nvSpPr>
-          <p:cNvPr id="8" name="Rectangle 7"/>
-          <p:cNvSpPr/>
-          <p:nvPr/>
-        </p:nvSpPr>
-        <p:spPr>
-          <a:xfrm>
-            <a:off x="0" y="5105400"/>
-            <a:ext cx="11292840" cy="1752600"/>
-          </a:xfrm>
-          <a:prstGeom prst="rect">
-            <a:avLst/>
-          </a:prstGeom>
-          <a:solidFill>
-            <a:srgbClr val="000000"/>
-          </a:solidFill>
-          <a:ln>
-            <a:noFill/>
-          </a:ln>
-        </p:spPr>
-        <p:style>
-          <a:lnRef idx="2">
-            <a:schemeClr val="accent1">
-              <a:shade val="50000"/>
-            </a:schemeClr>
-          </a:lnRef>
-          <a:fillRef idx="1">
-            <a:schemeClr val="accent1"/>
-          </a:fillRef>
-          <a:effectRef idx="0">
-            <a:schemeClr val="accent1"/>
-          </a:effectRef>
-          <a:fontRef idx="minor">
-            <a:schemeClr val="lt1"/>
-          </a:fontRef>
-        </p:style>
-      </p:sp>
-      <p:sp>
-        <p:nvSpPr>
-          <p:cNvPr id="2" name="Title 1"/>
-          <p:cNvSpPr>
-            <a:spLocks noGrp="1"/>
-          </p:cNvSpPr>
-          <p:nvPr>
-            <p:ph type="title"/>
-          </p:nvPr>
-        </p:nvSpPr>
-        <p:spPr>
-          <a:xfrm>
-            <a:off x="914400" y="5257800"/>
-            <a:ext cx="9982200" cy="914400"/>
-          </a:xfrm>
-        </p:spPr>
-        <p:txBody>
-          <a:bodyPr anchor="b">
-            <a:normAutofit/>
-          </a:bodyPr>
-          <a:lstStyle>
-            <a:lvl1pPr>
-              <a:defRPr sz="2800" b="0">
-                <a:solidFill>
-                  <a:schemeClr val="bg1"/>
-                </a:solidFill>
-              </a:defRPr>
-            </a:lvl1pPr>
-          </a:lstStyle>
-          <a:p>
-            <a:r>
-              <a:rPr lang="uk-UA"/>
-              <a:t>Клацніть, щоб редагувати стиль зразка заголовка</a:t>
-            </a:r>
-            <a:endParaRPr lang="en-US" dirty="0"/>
-          </a:p>
-        </p:txBody>
-      </p:sp>
-      <p:sp>
-        <p:nvSpPr>
-          <p:cNvPr id="3" name="Picture Placeholder 2"/>
-          <p:cNvSpPr>
-            <a:spLocks noGrp="1" noChangeAspect="1"/>
-          </p:cNvSpPr>
-          <p:nvPr>
-            <p:ph type="pic" idx="1"/>
-          </p:nvPr>
-        </p:nvSpPr>
-        <p:spPr>
-          <a:xfrm>
-            <a:off x="0" y="0"/>
-            <a:ext cx="11292840" cy="5128923"/>
-          </a:xfrm>
-          <a:solidFill>
-            <a:schemeClr val="accent1"/>
-          </a:solidFill>
-        </p:spPr>
-        <p:txBody>
-          <a:bodyPr anchor="t"/>
-          <a:lstStyle>
-            <a:lvl1pPr marL="0" indent="0">
-              <a:buNone/>
-              <a:defRPr sz="3200">
-                <a:solidFill>
-                  <a:schemeClr val="bg1"/>
-                </a:solidFill>
-              </a:defRPr>
-            </a:lvl1pPr>
-            <a:lvl2pPr marL="457200" indent="0">
-              <a:buNone/>
-              <a:defRPr sz="2800"/>
-            </a:lvl2pPr>
-            <a:lvl3pPr marL="914400" indent="0">
-              <a:buNone/>
-              <a:defRPr sz="2400"/>
-            </a:lvl3pPr>
-            <a:lvl4pPr marL="1371600" indent="0">
-              <a:buNone/>
-              <a:defRPr sz="2000"/>
-            </a:lvl4pPr>
-            <a:lvl5pPr marL="1828800" indent="0">
-              <a:buNone/>
-              <a:defRPr sz="2000"/>
-            </a:lvl5pPr>
-            <a:lvl6pPr marL="2286000" indent="0">
-              <a:buNone/>
-              <a:defRPr sz="2000"/>
-            </a:lvl6pPr>
-            <a:lvl7pPr marL="2743200" indent="0">
-              <a:buNone/>
-              <a:defRPr sz="2000"/>
-            </a:lvl7pPr>
-            <a:lvl8pPr marL="3200400" indent="0">
-              <a:buNone/>
-              <a:defRPr sz="2000"/>
-            </a:lvl8pPr>
-            <a:lvl9pPr marL="3657600" indent="0">
-              <a:buNone/>
-              <a:defRPr sz="2000"/>
-            </a:lvl9pPr>
-          </a:lstStyle>
-          <a:p>
-            <a:r>
-              <a:rPr lang="uk-UA"/>
-              <a:t>Клацніть піктограму, щоб додати зображення</a:t>
-            </a:r>
-            <a:endParaRPr lang="en-US" dirty="0"/>
-          </a:p>
-        </p:txBody>
-      </p:sp>
-      <p:sp>
-        <p:nvSpPr>
-          <p:cNvPr id="4" name="Text Placeholder 3"/>
-          <p:cNvSpPr>
-            <a:spLocks noGrp="1"/>
-          </p:cNvSpPr>
-          <p:nvPr>
-            <p:ph type="body" sz="half" idx="2"/>
-          </p:nvPr>
-        </p:nvSpPr>
-        <p:spPr>
-          <a:xfrm>
-            <a:off x="914400" y="6108589"/>
-            <a:ext cx="9982200" cy="597011"/>
-          </a:xfrm>
-        </p:spPr>
-        <p:txBody>
-          <a:bodyPr>
-            <a:normAutofit/>
-          </a:bodyPr>
-          <a:lstStyle>
-            <a:lvl1pPr marL="0" indent="0">
-              <a:lnSpc>
-                <a:spcPct val="100000"/>
-              </a:lnSpc>
-              <a:spcBef>
-                <a:spcPts val="800"/>
-              </a:spcBef>
-              <a:buNone/>
-              <a:defRPr sz="1300">
-                <a:solidFill>
-                  <a:schemeClr val="bg1">
-                    <a:lumMod val="85000"/>
-                  </a:schemeClr>
-                </a:solidFill>
-              </a:defRPr>
-            </a:lvl1pPr>
-            <a:lvl2pPr marL="457200" indent="0">
-              <a:buNone/>
-              <a:defRPr sz="1200"/>
-            </a:lvl2pPr>
-            <a:lvl3pPr marL="914400" indent="0">
-              <a:buNone/>
-              <a:defRPr sz="1000"/>
-            </a:lvl3pPr>
-            <a:lvl4pPr marL="1371600" indent="0">
-              <a:buNone/>
-              <a:defRPr sz="900"/>
-            </a:lvl4pPr>
-            <a:lvl5pPr marL="1828800" indent="0">
-              <a:buNone/>
-              <a:defRPr sz="900"/>
-            </a:lvl5pPr>
-            <a:lvl6pPr marL="2286000" indent="0">
-              <a:buNone/>
-              <a:defRPr sz="900"/>
-            </a:lvl6pPr>
-            <a:lvl7pPr marL="2743200" indent="0">
-              <a:buNone/>
-              <a:defRPr sz="900"/>
-            </a:lvl7pPr>
-            <a:lvl8pPr marL="3200400" indent="0">
-              <a:buNone/>
-              <a:defRPr sz="900"/>
-            </a:lvl8pPr>
-            <a:lvl9pPr marL="3657600" indent="0">
-              <a:buNone/>
-              <a:defRPr sz="900"/>
-            </a:lvl9pPr>
-          </a:lstStyle>
-          <a:p>
-            <a:pPr lvl="0"/>
-            <a:r>
-              <a:rPr lang="uk-UA"/>
-              <a:t>Клацніть, щоб відредагувати стилі зразків тексту</a:t>
-            </a:r>
-          </a:p>
-        </p:txBody>
-      </p:sp>
-      <p:sp>
-        <p:nvSpPr>
-          <p:cNvPr id="5" name="Date Placeholder 4"/>
-          <p:cNvSpPr>
-            <a:spLocks noGrp="1"/>
-          </p:cNvSpPr>
-          <p:nvPr>
-            <p:ph type="dt" sz="half" idx="10"/>
-          </p:nvPr>
-        </p:nvSpPr>
-        <p:spPr/>
-        <p:txBody>
-          <a:bodyPr/>
-          <a:lstStyle/>
-          <a:p>
-            <a:fld id="{5BCAD085-E8A6-8845-BD4E-CB4CCA059FC4}" type="datetimeFigureOut">
-              <a:rPr lang="en-US" smtClean="0"/>
-              <a:t>23-Apr-25</a:t>
-            </a:fld>
-            <a:endParaRPr lang="en-US"/>
-          </a:p>
-        </p:txBody>
-      </p:sp>
-      <p:sp>
-        <p:nvSpPr>
-          <p:cNvPr id="6" name="Footer Placeholder 5"/>
-          <p:cNvSpPr>
-            <a:spLocks noGrp="1"/>
-          </p:cNvSpPr>
-          <p:nvPr>
-            <p:ph type="ftr" sz="quarter" idx="11"/>
-          </p:nvPr>
-        </p:nvSpPr>
-        <p:spPr/>
-        <p:txBody>
-          <a:bodyPr/>
-          <a:lstStyle/>
-          <a:p>
-            <a:endParaRPr lang="en-US"/>
-          </a:p>
-        </p:txBody>
-      </p:sp>
-      <p:sp>
-        <p:nvSpPr>
-          <p:cNvPr id="7" name="Slide Number Placeholder 6"/>
-          <p:cNvSpPr>
-            <a:spLocks noGrp="1"/>
-          </p:cNvSpPr>
-          <p:nvPr>
-            <p:ph type="sldNum" sz="quarter" idx="12"/>
-          </p:nvPr>
-        </p:nvSpPr>
-        <p:spPr/>
-        <p:txBody>
-          <a:bodyPr/>
-          <a:lstStyle/>
-          <a:p>
-            <a:fld id="{C1FF6DA9-008F-8B48-92A6-B652298478BF}" type="slidenum">
-              <a:rPr lang="en-US" smtClean="0"/>
-              <a:t>‹№›</a:t>
-            </a:fld>
-            <a:endParaRPr lang="en-US"/>
-          </a:p>
-        </p:txBody>
-      </p:sp>
-    </p:spTree>
-    <p:extLst>
-      <p:ext uri="{BB962C8B-B14F-4D97-AF65-F5344CB8AC3E}">
-        <p14:creationId xmlns:p14="http://schemas.microsoft.com/office/powerpoint/2010/main" val="527939223"/>
-      </p:ext>
-    </p:extLst>
-  </p:cSld>
-  <p:clrMapOvr>
-    <a:masterClrMapping/>
-  </p:clrMapOvr>
+  <p:extLst>
+    <p:ext uri="{DCECCB84-F9BA-43D5-87BE-67443E8EF086}">
+      <p15:sldGuideLst xmlns:p15="http://schemas.microsoft.com/office/powerpoint/2012/main">
+        <p15:guide id="1" orient="horz" pos="2160" userDrawn="1">
+          <p15:clr>
+            <a:srgbClr val="FBAE40"/>
+          </p15:clr>
+        </p15:guide>
+        <p15:guide id="2" pos="3840" userDrawn="1">
+          <p15:clr>
+            <a:srgbClr val="FBAE40"/>
+          </p15:clr>
+        </p15:guide>
+      </p15:sldGuideLst>
+    </p:ext>
+  </p:extLst>
 </p:sldLayout>
 </file>
 
@@ -3070,15 +3521,17 @@
   <p:sldLayoutIdLst>
     <p:sldLayoutId id="2147483708" r:id="rId1"/>
     <p:sldLayoutId id="2147483709" r:id="rId2"/>
-    <p:sldLayoutId id="2147483710" r:id="rId3"/>
-    <p:sldLayoutId id="2147483711" r:id="rId4"/>
-    <p:sldLayoutId id="2147483712" r:id="rId5"/>
-    <p:sldLayoutId id="2147483713" r:id="rId6"/>
-    <p:sldLayoutId id="2147483714" r:id="rId7"/>
-    <p:sldLayoutId id="2147483715" r:id="rId8"/>
-    <p:sldLayoutId id="2147483716" r:id="rId9"/>
-    <p:sldLayoutId id="2147483717" r:id="rId10"/>
-    <p:sldLayoutId id="2147483718" r:id="rId11"/>
+    <p:sldLayoutId id="2147483720" r:id="rId3"/>
+    <p:sldLayoutId id="2147483710" r:id="rId4"/>
+    <p:sldLayoutId id="2147483711" r:id="rId5"/>
+    <p:sldLayoutId id="2147483712" r:id="rId6"/>
+    <p:sldLayoutId id="2147483713" r:id="rId7"/>
+    <p:sldLayoutId id="2147483714" r:id="rId8"/>
+    <p:sldLayoutId id="2147483719" r:id="rId9"/>
+    <p:sldLayoutId id="2147483715" r:id="rId10"/>
+    <p:sldLayoutId id="2147483716" r:id="rId11"/>
+    <p:sldLayoutId id="2147483717" r:id="rId12"/>
+    <p:sldLayoutId id="2147483718" r:id="rId13"/>
   </p:sldLayoutIdLst>
   <p:txStyles>
     <p:titleStyle>
@@ -3602,33 +4055,6 @@
 <file path=ppt/slides/slide2.xml><?xml version="1.0" encoding="utf-8"?>
 <p:sld xmlns:a="http://schemas.openxmlformats.org/drawingml/2006/main" xmlns:r="http://schemas.openxmlformats.org/officeDocument/2006/relationships" xmlns:p="http://schemas.openxmlformats.org/presentationml/2006/main">
   <p:cSld>
-    <p:bg>
-      <p:bgPr>
-        <a:gradFill>
-          <a:gsLst>
-            <a:gs pos="0">
-              <a:schemeClr val="bg1">
-                <a:tint val="94000"/>
-                <a:shade val="98000"/>
-                <a:satMod val="130000"/>
-                <a:lumMod val="102000"/>
-              </a:schemeClr>
-            </a:gs>
-            <a:gs pos="100000">
-              <a:schemeClr val="bg1">
-                <a:tint val="98000"/>
-                <a:shade val="78000"/>
-                <a:satMod val="140000"/>
-              </a:schemeClr>
-            </a:gs>
-          </a:gsLst>
-          <a:path path="circle">
-            <a:fillToRect l="100000" t="100000" r="100000" b="100000"/>
-          </a:path>
-        </a:gradFill>
-        <a:effectLst/>
-      </p:bgPr>
-    </p:bg>
     <p:spTree>
       <p:nvGrpSpPr>
         <p:cNvPr id="1" name=""/>
@@ -3645,33 +4071,127 @@
       </p:grpSpPr>
       <p:sp>
         <p:nvSpPr>
-          <p:cNvPr id="2" name="Title 1"/>
-          <p:cNvSpPr>
-            <a:spLocks noGrp="1"/>
-          </p:cNvSpPr>
-          <p:nvPr>
-            <p:ph type="title"/>
-          </p:nvPr>
-        </p:nvSpPr>
-        <p:spPr/>
-        <p:txBody>
-          <a:bodyPr/>
-          <a:lstStyle/>
-          <a:p>
-            <a:r>
-              <a:rPr dirty="0"/>
+          <p:cNvPr id="3" name="Місце для вмісту 2">
+            <a:extLst>
+              <a:ext uri="{FF2B5EF4-FFF2-40B4-BE49-F238E27FC236}">
+                <a16:creationId xmlns:a16="http://schemas.microsoft.com/office/drawing/2014/main" id="{08EB1317-1331-83BC-2C23-0380BED99657}"/>
+              </a:ext>
+            </a:extLst>
+          </p:cNvPr>
+          <p:cNvSpPr>
+            <a:spLocks noGrp="1"/>
+          </p:cNvSpPr>
+          <p:nvPr>
+            <p:ph sz="quarter" idx="13"/>
+          </p:nvPr>
+        </p:nvSpPr>
+        <p:spPr>
+          <a:xfrm>
+            <a:off x="8724900" y="0"/>
+            <a:ext cx="3467100" cy="6858000"/>
+          </a:xfrm>
+        </p:spPr>
+        <p:txBody>
+          <a:bodyPr/>
+          <a:lstStyle/>
+          <a:p>
+            <a:r>
+              <a:rPr lang="en-US" dirty="0"/>
               <a:t>{{{</a:t>
             </a:r>
             <a:r>
               <a:rPr lang="en-US" dirty="0" err="1"/>
-              <a:t>group.</a:t>
-            </a:r>
-            <a:r>
-              <a:rPr dirty="0" err="1"/>
-              <a:t>group_title</a:t>
-            </a:r>
-            <a:r>
-              <a:rPr dirty="0"/>
+              <a:t>group.image:image</a:t>
+            </a:r>
+            <a:r>
+              <a:rPr lang="en-US" dirty="0"/>
+              <a:t>()}}}</a:t>
+            </a:r>
+          </a:p>
+          <a:p>
+            <a:endParaRPr lang="uk-UA" dirty="0"/>
+          </a:p>
+        </p:txBody>
+      </p:sp>
+      <p:sp>
+        <p:nvSpPr>
+          <p:cNvPr id="9" name="Title 1">
+            <a:extLst>
+              <a:ext uri="{FF2B5EF4-FFF2-40B4-BE49-F238E27FC236}">
+                <a16:creationId xmlns:a16="http://schemas.microsoft.com/office/drawing/2014/main" id="{F0692D6F-856F-5172-59F7-FCCDD113E1D1}"/>
+              </a:ext>
+            </a:extLst>
+          </p:cNvPr>
+          <p:cNvSpPr txBox="1">
+            <a:spLocks/>
+          </p:cNvSpPr>
+          <p:nvPr/>
+        </p:nvSpPr>
+        <p:spPr>
+          <a:xfrm>
+            <a:off x="1333500" y="111125"/>
+            <a:ext cx="7181850" cy="1155700"/>
+          </a:xfrm>
+          <a:prstGeom prst="rect">
+            <a:avLst/>
+          </a:prstGeom>
+        </p:spPr>
+        <p:txBody>
+          <a:bodyPr vert="horz" lIns="91440" tIns="45720" rIns="91440" bIns="45720" rtlCol="0" anchor="b">
+            <a:normAutofit/>
+          </a:bodyPr>
+          <a:lstStyle>
+            <a:lvl1pPr algn="l" defTabSz="914400" rtl="0" eaLnBrk="1" latinLnBrk="0" hangingPunct="1">
+              <a:lnSpc>
+                <a:spcPct val="90000"/>
+              </a:lnSpc>
+              <a:spcBef>
+                <a:spcPct val="0"/>
+              </a:spcBef>
+              <a:buNone/>
+              <a:defRPr sz="4400" kern="1200" spc="-50" baseline="0">
+                <a:solidFill>
+                  <a:schemeClr val="tx1"/>
+                </a:solidFill>
+                <a:latin typeface="+mj-lt"/>
+                <a:ea typeface="+mj-ea"/>
+                <a:cs typeface="+mj-cs"/>
+              </a:defRPr>
+            </a:lvl1pPr>
+          </a:lstStyle>
+          <a:p>
+            <a:pPr algn="ctr"/>
+            <a:r>
+              <a:rPr lang="en-US" sz="3200" b="1" dirty="0">
+                <a:solidFill>
+                  <a:schemeClr val="accent3">
+                    <a:lumMod val="40000"/>
+                    <a:lumOff val="60000"/>
+                  </a:schemeClr>
+                </a:solidFill>
+              </a:rPr>
+              <a:t>{{{</a:t>
+            </a:r>
+            <a:r>
+              <a:rPr lang="en-US" sz="3200" b="1" dirty="0" err="1">
+                <a:solidFill>
+                  <a:schemeClr val="accent3">
+                    <a:lumMod val="40000"/>
+                    <a:lumOff val="60000"/>
+                  </a:schemeClr>
+                </a:solidFill>
+              </a:rPr>
+              <a:t>group.group_title</a:t>
+            </a:r>
+            <a:r>
+              <a:rPr lang="en-US" sz="3200" b="1" dirty="0">
+                <a:solidFill>
+                  <a:schemeClr val="accent3">
+                    <a:lumMod val="40000"/>
+                    <a:lumOff val="60000"/>
+                  </a:schemeClr>
+                </a:solidFill>
+              </a:rPr>
               <a:t>}}}</a:t>
             </a:r>
           </a:p>
@@ -3679,33 +4199,306 @@
       </p:sp>
       <p:sp>
         <p:nvSpPr>
-          <p:cNvPr id="3" name="Content Placeholder 2"/>
-          <p:cNvSpPr>
-            <a:spLocks noGrp="1"/>
-          </p:cNvSpPr>
-          <p:nvPr>
-            <p:ph idx="1"/>
-          </p:nvPr>
-        </p:nvSpPr>
-        <p:spPr/>
-        <p:txBody>
-          <a:bodyPr/>
-          <a:lstStyle/>
-          <a:p>
-            <a:r>
-              <a:rPr dirty="0"/>
+          <p:cNvPr id="10" name="Content Placeholder 2">
+            <a:extLst>
+              <a:ext uri="{FF2B5EF4-FFF2-40B4-BE49-F238E27FC236}">
+                <a16:creationId xmlns:a16="http://schemas.microsoft.com/office/drawing/2014/main" id="{39931321-278D-070A-D19A-044CF85BA40F}"/>
+              </a:ext>
+            </a:extLst>
+          </p:cNvPr>
+          <p:cNvSpPr txBox="1">
+            <a:spLocks/>
+          </p:cNvSpPr>
+          <p:nvPr/>
+        </p:nvSpPr>
+        <p:spPr>
+          <a:xfrm>
+            <a:off x="604838" y="2103438"/>
+            <a:ext cx="7681912" cy="3810000"/>
+          </a:xfrm>
+          <a:prstGeom prst="rect">
+            <a:avLst/>
+          </a:prstGeom>
+        </p:spPr>
+        <p:txBody>
+          <a:bodyPr vert="horz" lIns="91440" tIns="45720" rIns="91440" bIns="45720" rtlCol="0">
+            <a:normAutofit/>
+          </a:bodyPr>
+          <a:lstStyle>
+            <a:lvl1pPr marL="182880" indent="-182880" algn="l" defTabSz="914400" rtl="0" eaLnBrk="1" latinLnBrk="0" hangingPunct="1">
+              <a:lnSpc>
+                <a:spcPct val="95000"/>
+              </a:lnSpc>
+              <a:spcBef>
+                <a:spcPts val="1400"/>
+              </a:spcBef>
+              <a:spcAft>
+                <a:spcPts val="200"/>
+              </a:spcAft>
+              <a:buClr>
+                <a:schemeClr val="accent1"/>
+              </a:buClr>
+              <a:buSzPct val="80000"/>
+              <a:buFont typeface="Arial" pitchFamily="34" charset="0"/>
+              <a:buChar char="•"/>
+              <a:defRPr sz="1800" kern="1200" spc="10" baseline="0">
+                <a:solidFill>
+                  <a:schemeClr val="tx1"/>
+                </a:solidFill>
+                <a:latin typeface="+mn-lt"/>
+                <a:ea typeface="+mn-ea"/>
+                <a:cs typeface="+mn-cs"/>
+              </a:defRPr>
+            </a:lvl1pPr>
+            <a:lvl2pPr marL="457200" indent="-182880" algn="l" defTabSz="914400" rtl="0" eaLnBrk="1" latinLnBrk="0" hangingPunct="1">
+              <a:lnSpc>
+                <a:spcPct val="90000"/>
+              </a:lnSpc>
+              <a:spcBef>
+                <a:spcPts val="300"/>
+              </a:spcBef>
+              <a:spcAft>
+                <a:spcPts val="300"/>
+              </a:spcAft>
+              <a:buClr>
+                <a:schemeClr val="accent1"/>
+              </a:buClr>
+              <a:buFont typeface="Wingdings 2" pitchFamily="18" charset="2"/>
+              <a:buChar char=""/>
+              <a:defRPr sz="1600" kern="1200">
+                <a:solidFill>
+                  <a:schemeClr val="tx1">
+                    <a:lumMod val="85000"/>
+                    <a:lumOff val="15000"/>
+                  </a:schemeClr>
+                </a:solidFill>
+                <a:latin typeface="+mn-lt"/>
+                <a:ea typeface="+mn-ea"/>
+                <a:cs typeface="+mn-cs"/>
+              </a:defRPr>
+            </a:lvl2pPr>
+            <a:lvl3pPr marL="731520" indent="-182880" algn="l" defTabSz="914400" rtl="0" eaLnBrk="1" latinLnBrk="0" hangingPunct="1">
+              <a:lnSpc>
+                <a:spcPct val="90000"/>
+              </a:lnSpc>
+              <a:spcBef>
+                <a:spcPts val="300"/>
+              </a:spcBef>
+              <a:spcAft>
+                <a:spcPts val="300"/>
+              </a:spcAft>
+              <a:buClr>
+                <a:schemeClr val="accent1"/>
+              </a:buClr>
+              <a:buFont typeface="Wingdings 2" pitchFamily="18" charset="2"/>
+              <a:buChar char=""/>
+              <a:defRPr sz="1400" kern="1200">
+                <a:solidFill>
+                  <a:schemeClr val="tx1">
+                    <a:lumMod val="85000"/>
+                    <a:lumOff val="15000"/>
+                  </a:schemeClr>
+                </a:solidFill>
+                <a:latin typeface="+mn-lt"/>
+                <a:ea typeface="+mn-ea"/>
+                <a:cs typeface="+mn-cs"/>
+              </a:defRPr>
+            </a:lvl3pPr>
+            <a:lvl4pPr marL="1005840" indent="-182880" algn="l" defTabSz="914400" rtl="0" eaLnBrk="1" latinLnBrk="0" hangingPunct="1">
+              <a:lnSpc>
+                <a:spcPct val="90000"/>
+              </a:lnSpc>
+              <a:spcBef>
+                <a:spcPts val="300"/>
+              </a:spcBef>
+              <a:spcAft>
+                <a:spcPts val="300"/>
+              </a:spcAft>
+              <a:buClr>
+                <a:schemeClr val="accent1"/>
+              </a:buClr>
+              <a:buFont typeface="Wingdings 2" pitchFamily="18" charset="2"/>
+              <a:buChar char=""/>
+              <a:defRPr sz="1400" kern="1200">
+                <a:solidFill>
+                  <a:schemeClr val="tx1">
+                    <a:lumMod val="85000"/>
+                    <a:lumOff val="15000"/>
+                  </a:schemeClr>
+                </a:solidFill>
+                <a:latin typeface="+mn-lt"/>
+                <a:ea typeface="+mn-ea"/>
+                <a:cs typeface="+mn-cs"/>
+              </a:defRPr>
+            </a:lvl4pPr>
+            <a:lvl5pPr marL="1280160" indent="-182880" algn="l" defTabSz="914400" rtl="0" eaLnBrk="1" latinLnBrk="0" hangingPunct="1">
+              <a:lnSpc>
+                <a:spcPct val="90000"/>
+              </a:lnSpc>
+              <a:spcBef>
+                <a:spcPts val="300"/>
+              </a:spcBef>
+              <a:spcAft>
+                <a:spcPts val="300"/>
+              </a:spcAft>
+              <a:buClr>
+                <a:schemeClr val="accent1"/>
+              </a:buClr>
+              <a:buFont typeface="Wingdings 2" pitchFamily="18" charset="2"/>
+              <a:buChar char=""/>
+              <a:defRPr sz="1400" kern="1200">
+                <a:solidFill>
+                  <a:schemeClr val="tx1">
+                    <a:lumMod val="85000"/>
+                    <a:lumOff val="15000"/>
+                  </a:schemeClr>
+                </a:solidFill>
+                <a:latin typeface="+mn-lt"/>
+                <a:ea typeface="+mn-ea"/>
+                <a:cs typeface="+mn-cs"/>
+              </a:defRPr>
+            </a:lvl5pPr>
+            <a:lvl6pPr marL="1600000" indent="-228600" algn="l" defTabSz="914400" rtl="0" eaLnBrk="1" latinLnBrk="0" hangingPunct="1">
+              <a:lnSpc>
+                <a:spcPct val="90000"/>
+              </a:lnSpc>
+              <a:spcBef>
+                <a:spcPts val="300"/>
+              </a:spcBef>
+              <a:spcAft>
+                <a:spcPts val="300"/>
+              </a:spcAft>
+              <a:buClr>
+                <a:schemeClr val="accent1"/>
+              </a:buClr>
+              <a:buFont typeface="Wingdings 2" pitchFamily="18" charset="2"/>
+              <a:buChar char=""/>
+              <a:defRPr sz="1400" kern="1200">
+                <a:solidFill>
+                  <a:schemeClr val="tx1">
+                    <a:lumMod val="85000"/>
+                    <a:lumOff val="15000"/>
+                  </a:schemeClr>
+                </a:solidFill>
+                <a:latin typeface="+mn-lt"/>
+                <a:ea typeface="+mn-ea"/>
+                <a:cs typeface="+mn-cs"/>
+              </a:defRPr>
+            </a:lvl6pPr>
+            <a:lvl7pPr marL="1900000" indent="-228600" algn="l" defTabSz="914400" rtl="0" eaLnBrk="1" latinLnBrk="0" hangingPunct="1">
+              <a:lnSpc>
+                <a:spcPct val="90000"/>
+              </a:lnSpc>
+              <a:spcBef>
+                <a:spcPts val="300"/>
+              </a:spcBef>
+              <a:spcAft>
+                <a:spcPts val="300"/>
+              </a:spcAft>
+              <a:buClr>
+                <a:schemeClr val="accent1"/>
+              </a:buClr>
+              <a:buFont typeface="Wingdings 2" pitchFamily="18" charset="2"/>
+              <a:buChar char=""/>
+              <a:defRPr sz="1400" kern="1200">
+                <a:solidFill>
+                  <a:schemeClr val="tx1">
+                    <a:lumMod val="85000"/>
+                    <a:lumOff val="15000"/>
+                  </a:schemeClr>
+                </a:solidFill>
+                <a:latin typeface="+mn-lt"/>
+                <a:ea typeface="+mn-ea"/>
+                <a:cs typeface="+mn-cs"/>
+              </a:defRPr>
+            </a:lvl7pPr>
+            <a:lvl8pPr marL="2200000" indent="-228600" algn="l" defTabSz="914400" rtl="0" eaLnBrk="1" latinLnBrk="0" hangingPunct="1">
+              <a:lnSpc>
+                <a:spcPct val="90000"/>
+              </a:lnSpc>
+              <a:spcBef>
+                <a:spcPts val="300"/>
+              </a:spcBef>
+              <a:spcAft>
+                <a:spcPts val="300"/>
+              </a:spcAft>
+              <a:buClr>
+                <a:schemeClr val="accent1"/>
+              </a:buClr>
+              <a:buFont typeface="Wingdings 2" pitchFamily="18" charset="2"/>
+              <a:buChar char=""/>
+              <a:defRPr sz="1400" kern="1200">
+                <a:solidFill>
+                  <a:schemeClr val="tx1">
+                    <a:lumMod val="85000"/>
+                    <a:lumOff val="15000"/>
+                  </a:schemeClr>
+                </a:solidFill>
+                <a:latin typeface="+mn-lt"/>
+                <a:ea typeface="+mn-ea"/>
+                <a:cs typeface="+mn-cs"/>
+              </a:defRPr>
+            </a:lvl8pPr>
+            <a:lvl9pPr marL="2500000" indent="-228600" algn="l" defTabSz="914400" rtl="0" eaLnBrk="1" latinLnBrk="0" hangingPunct="1">
+              <a:lnSpc>
+                <a:spcPct val="90000"/>
+              </a:lnSpc>
+              <a:spcBef>
+                <a:spcPts val="300"/>
+              </a:spcBef>
+              <a:spcAft>
+                <a:spcPts val="300"/>
+              </a:spcAft>
+              <a:buClr>
+                <a:schemeClr val="accent1"/>
+              </a:buClr>
+              <a:buFont typeface="Wingdings 2" pitchFamily="18" charset="2"/>
+              <a:buChar char=""/>
+              <a:defRPr sz="1400" kern="1200">
+                <a:solidFill>
+                  <a:schemeClr val="tx1">
+                    <a:lumMod val="85000"/>
+                    <a:lumOff val="15000"/>
+                  </a:schemeClr>
+                </a:solidFill>
+                <a:latin typeface="+mn-lt"/>
+                <a:ea typeface="+mn-ea"/>
+                <a:cs typeface="+mn-cs"/>
+              </a:defRPr>
+            </a:lvl9pPr>
+          </a:lstStyle>
+          <a:p>
+            <a:r>
+              <a:rPr lang="en-US" sz="2400" dirty="0">
+                <a:solidFill>
+                  <a:schemeClr val="accent2">
+                    <a:lumMod val="20000"/>
+                    <a:lumOff val="80000"/>
+                  </a:schemeClr>
+                </a:solidFill>
+              </a:rPr>
               <a:t>{{{</a:t>
             </a:r>
             <a:r>
-              <a:rPr lang="en-US" dirty="0" err="1"/>
-              <a:t>group.</a:t>
-            </a:r>
-            <a:r>
-              <a:rPr dirty="0" err="1"/>
-              <a:t>group_intro</a:t>
-            </a:r>
-            <a:r>
-              <a:rPr dirty="0"/>
+              <a:rPr lang="en-US" sz="2400" dirty="0" err="1">
+                <a:solidFill>
+                  <a:schemeClr val="accent2">
+                    <a:lumMod val="20000"/>
+                    <a:lumOff val="80000"/>
+                  </a:schemeClr>
+                </a:solidFill>
+              </a:rPr>
+              <a:t>group.group_intro</a:t>
+            </a:r>
+            <a:r>
+              <a:rPr lang="en-US" sz="2400" dirty="0">
+                <a:solidFill>
+                  <a:schemeClr val="accent2">
+                    <a:lumMod val="20000"/>
+                    <a:lumOff val="80000"/>
+                  </a:schemeClr>
+                </a:solidFill>
+              </a:rPr>
               <a:t>}}}</a:t>
             </a:r>
           </a:p>
@@ -3713,10 +4506,10 @@
       </p:sp>
       <p:pic>
         <p:nvPicPr>
-          <p:cNvPr id="4" name="Рисунок 3">
+          <p:cNvPr id="11" name="Рисунок 10">
             <a:extLst>
               <a:ext uri="{FF2B5EF4-FFF2-40B4-BE49-F238E27FC236}">
-                <a16:creationId xmlns:a16="http://schemas.microsoft.com/office/drawing/2014/main" id="{DF284C4E-8D3C-3922-13F5-C36D8DFC2DEE}"/>
+                <a16:creationId xmlns:a16="http://schemas.microsoft.com/office/drawing/2014/main" id="{7EC4AB5B-CA62-C9EE-045E-428EF7051B40}"/>
               </a:ext>
             </a:extLst>
           </p:cNvPr>
@@ -3743,10 +4536,10 @@
       </p:pic>
       <p:pic>
         <p:nvPicPr>
-          <p:cNvPr id="5" name="Рисунок 4">
+          <p:cNvPr id="12" name="Рисунок 11">
             <a:extLst>
               <a:ext uri="{FF2B5EF4-FFF2-40B4-BE49-F238E27FC236}">
-                <a16:creationId xmlns:a16="http://schemas.microsoft.com/office/drawing/2014/main" id="{BBB59F45-FAFC-A50C-FE1E-4ECCBFA42D67}"/>
+                <a16:creationId xmlns:a16="http://schemas.microsoft.com/office/drawing/2014/main" id="{2CB732AE-BC13-5F79-737A-D80503D4C4FF}"/>
               </a:ext>
             </a:extLst>
           </p:cNvPr>
@@ -3772,6 +4565,11 @@
         </p:spPr>
       </p:pic>
     </p:spTree>
+    <p:extLst>
+      <p:ext uri="{BB962C8B-B14F-4D97-AF65-F5344CB8AC3E}">
+        <p14:creationId xmlns:p14="http://schemas.microsoft.com/office/powerpoint/2010/main" val="192100294"/>
+      </p:ext>
+    </p:extLst>
   </p:cSld>
   <p:clrMapOvr>
     <a:masterClrMapping/>
@@ -3838,19 +4636,21 @@
         </p:nvSpPr>
         <p:spPr/>
         <p:txBody>
-          <a:bodyPr/>
-          <a:lstStyle/>
-          <a:p>
-            <a:r>
-              <a:rPr dirty="0"/>
+          <a:bodyPr>
+            <a:normAutofit/>
+          </a:bodyPr>
+          <a:lstStyle/>
+          <a:p>
+            <a:r>
+              <a:rPr sz="2000" dirty="0"/>
               <a:t>{{{</a:t>
             </a:r>
             <a:r>
-              <a:rPr lang="en-US" dirty="0"/>
+              <a:rPr lang="en-US" sz="2000" dirty="0"/>
               <a:t>group.</a:t>
             </a:r>
             <a:r>
-              <a:rPr dirty="0"/>
+              <a:rPr sz="2000" dirty="0"/>
               <a:t>content_text_1}}}</a:t>
             </a:r>
           </a:p>
@@ -3916,6 +4716,87 @@
           </a:prstGeom>
         </p:spPr>
       </p:pic>
+      <p:sp>
+        <p:nvSpPr>
+          <p:cNvPr id="6" name="Title 1">
+            <a:extLst>
+              <a:ext uri="{FF2B5EF4-FFF2-40B4-BE49-F238E27FC236}">
+                <a16:creationId xmlns:a16="http://schemas.microsoft.com/office/drawing/2014/main" id="{BCD8203F-19A9-B307-1C9C-0E3C7A5E95B0}"/>
+              </a:ext>
+            </a:extLst>
+          </p:cNvPr>
+          <p:cNvSpPr txBox="1">
+            <a:spLocks/>
+          </p:cNvSpPr>
+          <p:nvPr/>
+        </p:nvSpPr>
+        <p:spPr>
+          <a:xfrm>
+            <a:off x="1261872" y="0"/>
+            <a:ext cx="9692640" cy="760888"/>
+          </a:xfrm>
+          <a:prstGeom prst="rect">
+            <a:avLst/>
+          </a:prstGeom>
+        </p:spPr>
+        <p:txBody>
+          <a:bodyPr vert="horz" lIns="91440" tIns="45720" rIns="91440" bIns="45720" rtlCol="0" anchor="b">
+            <a:normAutofit/>
+          </a:bodyPr>
+          <a:lstStyle>
+            <a:lvl1pPr algn="l" defTabSz="914400" rtl="0" eaLnBrk="1" latinLnBrk="0" hangingPunct="1">
+              <a:lnSpc>
+                <a:spcPct val="90000"/>
+              </a:lnSpc>
+              <a:spcBef>
+                <a:spcPct val="0"/>
+              </a:spcBef>
+              <a:buNone/>
+              <a:defRPr sz="4400" kern="1200" spc="-50" baseline="0">
+                <a:solidFill>
+                  <a:schemeClr val="tx1"/>
+                </a:solidFill>
+                <a:latin typeface="+mj-lt"/>
+                <a:ea typeface="+mj-ea"/>
+                <a:cs typeface="+mj-cs"/>
+              </a:defRPr>
+            </a:lvl1pPr>
+          </a:lstStyle>
+          <a:p>
+            <a:pPr algn="ctr"/>
+            <a:r>
+              <a:rPr lang="en-US" sz="4000" b="1" dirty="0">
+                <a:solidFill>
+                  <a:schemeClr val="accent3">
+                    <a:lumMod val="50000"/>
+                  </a:schemeClr>
+                </a:solidFill>
+              </a:rPr>
+              <a:t>{{{</a:t>
+            </a:r>
+            <a:r>
+              <a:rPr lang="en-US" sz="4000" b="1" dirty="0" err="1">
+                <a:solidFill>
+                  <a:schemeClr val="accent3">
+                    <a:lumMod val="50000"/>
+                  </a:schemeClr>
+                </a:solidFill>
+              </a:rPr>
+              <a:t>group.group_title</a:t>
+            </a:r>
+            <a:r>
+              <a:rPr lang="en-US" sz="4000" b="1" dirty="0">
+                <a:solidFill>
+                  <a:schemeClr val="accent3">
+                    <a:lumMod val="50000"/>
+                  </a:schemeClr>
+                </a:solidFill>
+              </a:rPr>
+              <a:t>}}}</a:t>
+            </a:r>
+          </a:p>
+        </p:txBody>
+      </p:sp>
     </p:spTree>
   </p:cSld>
   <p:clrMapOvr>
@@ -3983,19 +4864,21 @@
         </p:nvSpPr>
         <p:spPr/>
         <p:txBody>
-          <a:bodyPr/>
-          <a:lstStyle/>
-          <a:p>
-            <a:r>
-              <a:rPr dirty="0"/>
+          <a:bodyPr>
+            <a:normAutofit/>
+          </a:bodyPr>
+          <a:lstStyle/>
+          <a:p>
+            <a:r>
+              <a:rPr sz="2000" dirty="0"/>
               <a:t>{{{</a:t>
             </a:r>
             <a:r>
-              <a:rPr lang="en-US" dirty="0"/>
+              <a:rPr lang="en-US" sz="2000" dirty="0"/>
               <a:t>group.</a:t>
             </a:r>
             <a:r>
-              <a:rPr dirty="0"/>
+              <a:rPr sz="2000" dirty="0"/>
               <a:t>content_text_2}}}</a:t>
             </a:r>
           </a:p>
@@ -4061,6 +4944,87 @@
           </a:prstGeom>
         </p:spPr>
       </p:pic>
+      <p:sp>
+        <p:nvSpPr>
+          <p:cNvPr id="6" name="Title 1">
+            <a:extLst>
+              <a:ext uri="{FF2B5EF4-FFF2-40B4-BE49-F238E27FC236}">
+                <a16:creationId xmlns:a16="http://schemas.microsoft.com/office/drawing/2014/main" id="{E112B022-E207-2F71-2CC2-58E5E3AB11B9}"/>
+              </a:ext>
+            </a:extLst>
+          </p:cNvPr>
+          <p:cNvSpPr txBox="1">
+            <a:spLocks/>
+          </p:cNvSpPr>
+          <p:nvPr/>
+        </p:nvSpPr>
+        <p:spPr>
+          <a:xfrm>
+            <a:off x="1261872" y="0"/>
+            <a:ext cx="9692640" cy="760888"/>
+          </a:xfrm>
+          <a:prstGeom prst="rect">
+            <a:avLst/>
+          </a:prstGeom>
+        </p:spPr>
+        <p:txBody>
+          <a:bodyPr vert="horz" lIns="91440" tIns="45720" rIns="91440" bIns="45720" rtlCol="0" anchor="b">
+            <a:normAutofit/>
+          </a:bodyPr>
+          <a:lstStyle>
+            <a:lvl1pPr algn="l" defTabSz="914400" rtl="0" eaLnBrk="1" latinLnBrk="0" hangingPunct="1">
+              <a:lnSpc>
+                <a:spcPct val="90000"/>
+              </a:lnSpc>
+              <a:spcBef>
+                <a:spcPct val="0"/>
+              </a:spcBef>
+              <a:buNone/>
+              <a:defRPr sz="4400" kern="1200" spc="-50" baseline="0">
+                <a:solidFill>
+                  <a:schemeClr val="tx1"/>
+                </a:solidFill>
+                <a:latin typeface="+mj-lt"/>
+                <a:ea typeface="+mj-ea"/>
+                <a:cs typeface="+mj-cs"/>
+              </a:defRPr>
+            </a:lvl1pPr>
+          </a:lstStyle>
+          <a:p>
+            <a:pPr algn="ctr"/>
+            <a:r>
+              <a:rPr lang="en-US" sz="4000" b="1" dirty="0">
+                <a:solidFill>
+                  <a:schemeClr val="accent3">
+                    <a:lumMod val="50000"/>
+                  </a:schemeClr>
+                </a:solidFill>
+              </a:rPr>
+              <a:t>{{{</a:t>
+            </a:r>
+            <a:r>
+              <a:rPr lang="en-US" sz="4000" b="1" dirty="0" err="1">
+                <a:solidFill>
+                  <a:schemeClr val="accent3">
+                    <a:lumMod val="50000"/>
+                  </a:schemeClr>
+                </a:solidFill>
+              </a:rPr>
+              <a:t>group.group_title</a:t>
+            </a:r>
+            <a:r>
+              <a:rPr lang="en-US" sz="4000" b="1" dirty="0">
+                <a:solidFill>
+                  <a:schemeClr val="accent3">
+                    <a:lumMod val="50000"/>
+                  </a:schemeClr>
+                </a:solidFill>
+              </a:rPr>
+              <a:t>}}}</a:t>
+            </a:r>
+          </a:p>
+        </p:txBody>
+      </p:sp>
     </p:spTree>
   </p:cSld>
   <p:clrMapOvr>
@@ -4128,19 +5092,21 @@
         </p:nvSpPr>
         <p:spPr/>
         <p:txBody>
-          <a:bodyPr/>
-          <a:lstStyle/>
-          <a:p>
-            <a:r>
-              <a:rPr dirty="0"/>
+          <a:bodyPr>
+            <a:normAutofit/>
+          </a:bodyPr>
+          <a:lstStyle/>
+          <a:p>
+            <a:r>
+              <a:rPr sz="2000" dirty="0"/>
               <a:t>{{{</a:t>
             </a:r>
             <a:r>
-              <a:rPr lang="en-US" dirty="0"/>
+              <a:rPr lang="en-US" sz="2000" dirty="0"/>
               <a:t>group.</a:t>
             </a:r>
             <a:r>
-              <a:rPr dirty="0"/>
+              <a:rPr sz="2000" dirty="0"/>
               <a:t>content_text_3}}}</a:t>
             </a:r>
           </a:p>
@@ -4206,6 +5172,87 @@
           </a:prstGeom>
         </p:spPr>
       </p:pic>
+      <p:sp>
+        <p:nvSpPr>
+          <p:cNvPr id="6" name="Title 1">
+            <a:extLst>
+              <a:ext uri="{FF2B5EF4-FFF2-40B4-BE49-F238E27FC236}">
+                <a16:creationId xmlns:a16="http://schemas.microsoft.com/office/drawing/2014/main" id="{9269D21B-8A8C-D48F-5D18-E2BF2F260B47}"/>
+              </a:ext>
+            </a:extLst>
+          </p:cNvPr>
+          <p:cNvSpPr txBox="1">
+            <a:spLocks/>
+          </p:cNvSpPr>
+          <p:nvPr/>
+        </p:nvSpPr>
+        <p:spPr>
+          <a:xfrm>
+            <a:off x="1261872" y="0"/>
+            <a:ext cx="9692640" cy="760888"/>
+          </a:xfrm>
+          <a:prstGeom prst="rect">
+            <a:avLst/>
+          </a:prstGeom>
+        </p:spPr>
+        <p:txBody>
+          <a:bodyPr vert="horz" lIns="91440" tIns="45720" rIns="91440" bIns="45720" rtlCol="0" anchor="b">
+            <a:normAutofit/>
+          </a:bodyPr>
+          <a:lstStyle>
+            <a:lvl1pPr algn="l" defTabSz="914400" rtl="0" eaLnBrk="1" latinLnBrk="0" hangingPunct="1">
+              <a:lnSpc>
+                <a:spcPct val="90000"/>
+              </a:lnSpc>
+              <a:spcBef>
+                <a:spcPct val="0"/>
+              </a:spcBef>
+              <a:buNone/>
+              <a:defRPr sz="4400" kern="1200" spc="-50" baseline="0">
+                <a:solidFill>
+                  <a:schemeClr val="tx1"/>
+                </a:solidFill>
+                <a:latin typeface="+mj-lt"/>
+                <a:ea typeface="+mj-ea"/>
+                <a:cs typeface="+mj-cs"/>
+              </a:defRPr>
+            </a:lvl1pPr>
+          </a:lstStyle>
+          <a:p>
+            <a:pPr algn="ctr"/>
+            <a:r>
+              <a:rPr lang="en-US" sz="4000" b="1" dirty="0">
+                <a:solidFill>
+                  <a:schemeClr val="accent3">
+                    <a:lumMod val="50000"/>
+                  </a:schemeClr>
+                </a:solidFill>
+              </a:rPr>
+              <a:t>{{{</a:t>
+            </a:r>
+            <a:r>
+              <a:rPr lang="en-US" sz="4000" b="1" dirty="0" err="1">
+                <a:solidFill>
+                  <a:schemeClr val="accent3">
+                    <a:lumMod val="50000"/>
+                  </a:schemeClr>
+                </a:solidFill>
+              </a:rPr>
+              <a:t>group.group_title</a:t>
+            </a:r>
+            <a:r>
+              <a:rPr lang="en-US" sz="4000" b="1" dirty="0">
+                <a:solidFill>
+                  <a:schemeClr val="accent3">
+                    <a:lumMod val="50000"/>
+                  </a:schemeClr>
+                </a:solidFill>
+              </a:rPr>
+              <a:t>}}}</a:t>
+            </a:r>
+          </a:p>
+        </p:txBody>
+      </p:sp>
     </p:spTree>
   </p:cSld>
   <p:clrMapOvr>
